--- a/abstract/Slides/bachelor_thesis.pptx
+++ b/abstract/Slides/bachelor_thesis.pptx
@@ -1426,7 +1426,6 @@
               <a:rPr lang="ja-JP" altLang="en-US" dirty="0" smtClean="0"/>
               <a:t>レベル</a:t>
             </a:r>
-            <a:endParaRPr lang="ja-JP" altLang="en-US" dirty="0" smtClean="0"/>
           </a:p>
         </p:txBody>
       </p:sp>
@@ -5050,6 +5049,74 @@
           </a:p>
         </p:txBody>
       </p:sp>
+      <p:sp>
+        <p:nvSpPr>
+          <p:cNvPr id="2" name="テキスト ボックス 1"/>
+          <p:cNvSpPr txBox="1"/>
+          <p:nvPr/>
+        </p:nvSpPr>
+        <p:spPr>
+          <a:xfrm>
+            <a:off x="5487929" y="5054147"/>
+            <a:ext cx="1837635" cy="523220"/>
+          </a:xfrm>
+          <a:prstGeom prst="rect">
+            <a:avLst/>
+          </a:prstGeom>
+          <a:noFill/>
+          <a:ln w="19050">
+            <a:noFill/>
+          </a:ln>
+        </p:spPr>
+        <p:txBody>
+          <a:bodyPr wrap="square" rtlCol="0">
+            <a:spAutoFit/>
+          </a:bodyPr>
+          <a:lstStyle/>
+          <a:p>
+            <a:pPr algn="ctr"/>
+            <a:r>
+              <a:rPr kumimoji="1" lang="ja-JP" altLang="en-US" sz="2800" dirty="0" smtClean="0"/>
+              <a:t>淘汰される</a:t>
+            </a:r>
+            <a:endParaRPr kumimoji="1" lang="ja-JP" altLang="en-US" sz="2800" dirty="0" smtClean="0"/>
+          </a:p>
+        </p:txBody>
+      </p:sp>
+      <p:sp>
+        <p:nvSpPr>
+          <p:cNvPr id="50" name="テキスト ボックス 49"/>
+          <p:cNvSpPr txBox="1"/>
+          <p:nvPr/>
+        </p:nvSpPr>
+        <p:spPr>
+          <a:xfrm>
+            <a:off x="933730" y="5054147"/>
+            <a:ext cx="1837635" cy="523220"/>
+          </a:xfrm>
+          <a:prstGeom prst="rect">
+            <a:avLst/>
+          </a:prstGeom>
+          <a:noFill/>
+          <a:ln w="19050">
+            <a:noFill/>
+          </a:ln>
+        </p:spPr>
+        <p:txBody>
+          <a:bodyPr wrap="square" rtlCol="0">
+            <a:spAutoFit/>
+          </a:bodyPr>
+          <a:lstStyle/>
+          <a:p>
+            <a:pPr algn="ctr"/>
+            <a:r>
+              <a:rPr kumimoji="1" lang="ja-JP" altLang="en-US" sz="2800" dirty="0" smtClean="0"/>
+              <a:t>淘汰される</a:t>
+            </a:r>
+            <a:endParaRPr kumimoji="1" lang="ja-JP" altLang="en-US" sz="2800" dirty="0" smtClean="0"/>
+          </a:p>
+        </p:txBody>
+      </p:sp>
     </p:spTree>
     <p:extLst>
       <p:ext uri="{BB962C8B-B14F-4D97-AF65-F5344CB8AC3E}">
@@ -5179,6 +5246,33 @@
                                   </p:childTnLst>
                                 </p:cTn>
                               </p:par>
+                              <p:par>
+                                <p:cTn id="13" presetID="1" presetClass="entr" presetSubtype="0" fill="hold" grpId="0" nodeType="withEffect">
+                                  <p:stCondLst>
+                                    <p:cond delay="0"/>
+                                  </p:stCondLst>
+                                  <p:childTnLst>
+                                    <p:set>
+                                      <p:cBhvr>
+                                        <p:cTn id="14" dur="1" fill="hold">
+                                          <p:stCondLst>
+                                            <p:cond delay="0"/>
+                                          </p:stCondLst>
+                                        </p:cTn>
+                                        <p:tgtEl>
+                                          <p:spTgt spid="2"/>
+                                        </p:tgtEl>
+                                        <p:attrNameLst>
+                                          <p:attrName>style.visibility</p:attrName>
+                                        </p:attrNameLst>
+                                      </p:cBhvr>
+                                      <p:to>
+                                        <p:strVal val="visible"/>
+                                      </p:to>
+                                    </p:set>
+                                  </p:childTnLst>
+                                </p:cTn>
+                              </p:par>
                             </p:childTnLst>
                           </p:cTn>
                         </p:par>
@@ -5186,26 +5280,26 @@
                     </p:cTn>
                   </p:par>
                   <p:par>
-                    <p:cTn id="13" fill="hold">
+                    <p:cTn id="15" fill="hold">
                       <p:stCondLst>
                         <p:cond delay="indefinite"/>
                       </p:stCondLst>
                       <p:childTnLst>
                         <p:par>
-                          <p:cTn id="14" fill="hold">
+                          <p:cTn id="16" fill="hold">
                             <p:stCondLst>
                               <p:cond delay="0"/>
                             </p:stCondLst>
                             <p:childTnLst>
                               <p:par>
-                                <p:cTn id="15" presetID="1" presetClass="entr" presetSubtype="0" fill="hold" nodeType="clickEffect">
+                                <p:cTn id="17" presetID="1" presetClass="entr" presetSubtype="0" fill="hold" nodeType="clickEffect">
                                   <p:stCondLst>
                                     <p:cond delay="0"/>
                                   </p:stCondLst>
                                   <p:childTnLst>
                                     <p:set>
                                       <p:cBhvr>
-                                        <p:cTn id="16" dur="1" fill="hold">
+                                        <p:cTn id="18" dur="1" fill="hold">
                                           <p:stCondLst>
                                             <p:cond delay="0"/>
                                           </p:stCondLst>
@@ -5225,14 +5319,14 @@
                                 </p:cTn>
                               </p:par>
                               <p:par>
-                                <p:cTn id="17" presetID="1" presetClass="entr" presetSubtype="0" fill="hold" nodeType="withEffect">
+                                <p:cTn id="19" presetID="1" presetClass="entr" presetSubtype="0" fill="hold" nodeType="withEffect">
                                   <p:stCondLst>
                                     <p:cond delay="0"/>
                                   </p:stCondLst>
                                   <p:childTnLst>
                                     <p:set>
                                       <p:cBhvr>
-                                        <p:cTn id="18" dur="1" fill="hold">
+                                        <p:cTn id="20" dur="1" fill="hold">
                                           <p:stCondLst>
                                             <p:cond delay="0"/>
                                           </p:stCondLst>
@@ -5258,32 +5352,59 @@
                     </p:cTn>
                   </p:par>
                   <p:par>
-                    <p:cTn id="19" fill="hold">
+                    <p:cTn id="21" fill="hold">
                       <p:stCondLst>
                         <p:cond delay="indefinite"/>
                       </p:stCondLst>
                       <p:childTnLst>
                         <p:par>
-                          <p:cTn id="20" fill="hold">
+                          <p:cTn id="22" fill="hold">
                             <p:stCondLst>
                               <p:cond delay="0"/>
                             </p:stCondLst>
                             <p:childTnLst>
                               <p:par>
-                                <p:cTn id="21" presetID="1" presetClass="entr" presetSubtype="0" fill="hold" grpId="0" nodeType="clickEffect">
+                                <p:cTn id="23" presetID="1" presetClass="entr" presetSubtype="0" fill="hold" grpId="0" nodeType="clickEffect">
                                   <p:stCondLst>
                                     <p:cond delay="0"/>
                                   </p:stCondLst>
                                   <p:childTnLst>
                                     <p:set>
                                       <p:cBhvr>
-                                        <p:cTn id="22" dur="1" fill="hold">
+                                        <p:cTn id="24" dur="1" fill="hold">
                                           <p:stCondLst>
                                             <p:cond delay="0"/>
                                           </p:stCondLst>
                                         </p:cTn>
                                         <p:tgtEl>
                                           <p:spTgt spid="97"/>
+                                        </p:tgtEl>
+                                        <p:attrNameLst>
+                                          <p:attrName>style.visibility</p:attrName>
+                                        </p:attrNameLst>
+                                      </p:cBhvr>
+                                      <p:to>
+                                        <p:strVal val="visible"/>
+                                      </p:to>
+                                    </p:set>
+                                  </p:childTnLst>
+                                </p:cTn>
+                              </p:par>
+                              <p:par>
+                                <p:cTn id="25" presetID="1" presetClass="entr" presetSubtype="0" fill="hold" grpId="0" nodeType="withEffect">
+                                  <p:stCondLst>
+                                    <p:cond delay="0"/>
+                                  </p:stCondLst>
+                                  <p:childTnLst>
+                                    <p:set>
+                                      <p:cBhvr>
+                                        <p:cTn id="26" dur="1" fill="hold">
+                                          <p:stCondLst>
+                                            <p:cond delay="0"/>
+                                          </p:stCondLst>
+                                        </p:cTn>
+                                        <p:tgtEl>
+                                          <p:spTgt spid="50"/>
                                         </p:tgtEl>
                                         <p:attrNameLst>
                                           <p:attrName>style.visibility</p:attrName>
@@ -5326,6 +5447,8 @@
     <p:bldLst>
       <p:bldP spid="3" grpId="0" animBg="1"/>
       <p:bldP spid="97" grpId="0" animBg="1"/>
+      <p:bldP spid="2" grpId="0"/>
+      <p:bldP spid="50" grpId="0"/>
     </p:bldLst>
   </p:timing>
 </p:sld>
@@ -5416,11 +5539,7 @@
             </a:r>
             <a:r>
               <a:rPr kumimoji="1" lang="ja-JP" altLang="en-US" dirty="0" smtClean="0"/>
-              <a:t>価値</a:t>
-            </a:r>
-            <a:r>
-              <a:rPr kumimoji="1" lang="ja-JP" altLang="en-US" dirty="0" smtClean="0"/>
-              <a:t>を</a:t>
+              <a:t>価値を</a:t>
             </a:r>
             <a:r>
               <a:rPr lang="ja-JP" altLang="en-US" dirty="0" smtClean="0"/>
@@ -5517,35 +5636,35 @@
                 <a:gridCol w="576072">
                   <a:extLst>
                     <a:ext uri="{9D8B030D-6E8A-4147-A177-3AD203B41FA5}">
-                      <a16:colId xmlns:a16="http://schemas.microsoft.com/office/drawing/2014/main" xmlns="" val="1322717240"/>
+                      <a16:colId xmlns="" xmlns:a16="http://schemas.microsoft.com/office/drawing/2014/main" val="1322717240"/>
                     </a:ext>
                   </a:extLst>
                 </a:gridCol>
                 <a:gridCol w="576072">
                   <a:extLst>
                     <a:ext uri="{9D8B030D-6E8A-4147-A177-3AD203B41FA5}">
-                      <a16:colId xmlns:a16="http://schemas.microsoft.com/office/drawing/2014/main" xmlns="" val="4013610060"/>
+                      <a16:colId xmlns="" xmlns:a16="http://schemas.microsoft.com/office/drawing/2014/main" val="4013610060"/>
                     </a:ext>
                   </a:extLst>
                 </a:gridCol>
                 <a:gridCol w="576072">
                   <a:extLst>
                     <a:ext uri="{9D8B030D-6E8A-4147-A177-3AD203B41FA5}">
-                      <a16:colId xmlns:a16="http://schemas.microsoft.com/office/drawing/2014/main" xmlns="" val="4120775698"/>
+                      <a16:colId xmlns="" xmlns:a16="http://schemas.microsoft.com/office/drawing/2014/main" val="4120775698"/>
                     </a:ext>
                   </a:extLst>
                 </a:gridCol>
                 <a:gridCol w="576072">
                   <a:extLst>
                     <a:ext uri="{9D8B030D-6E8A-4147-A177-3AD203B41FA5}">
-                      <a16:colId xmlns:a16="http://schemas.microsoft.com/office/drawing/2014/main" xmlns="" val="2398927270"/>
+                      <a16:colId xmlns="" xmlns:a16="http://schemas.microsoft.com/office/drawing/2014/main" val="2398927270"/>
                     </a:ext>
                   </a:extLst>
                 </a:gridCol>
                 <a:gridCol w="576072">
                   <a:extLst>
                     <a:ext uri="{9D8B030D-6E8A-4147-A177-3AD203B41FA5}">
-                      <a16:colId xmlns:a16="http://schemas.microsoft.com/office/drawing/2014/main" xmlns="" val="578282490"/>
+                      <a16:colId xmlns="" xmlns:a16="http://schemas.microsoft.com/office/drawing/2014/main" val="578282490"/>
                     </a:ext>
                   </a:extLst>
                 </a:gridCol>
@@ -5858,7 +5977,7 @@
                 </a:tc>
                 <a:extLst>
                   <a:ext uri="{0D108BD9-81ED-4DB2-BD59-A6C34878D82A}">
-                    <a16:rowId xmlns:a16="http://schemas.microsoft.com/office/drawing/2014/main" xmlns="" val="544127792"/>
+                    <a16:rowId xmlns="" xmlns:a16="http://schemas.microsoft.com/office/drawing/2014/main" val="544127792"/>
                   </a:ext>
                 </a:extLst>
               </a:tr>
@@ -5894,35 +6013,35 @@
                 <a:gridCol w="576000">
                   <a:extLst>
                     <a:ext uri="{9D8B030D-6E8A-4147-A177-3AD203B41FA5}">
-                      <a16:colId xmlns:a16="http://schemas.microsoft.com/office/drawing/2014/main" xmlns="" val="1322717240"/>
+                      <a16:colId xmlns="" xmlns:a16="http://schemas.microsoft.com/office/drawing/2014/main" val="1322717240"/>
                     </a:ext>
                   </a:extLst>
                 </a:gridCol>
                 <a:gridCol w="576000">
                   <a:extLst>
                     <a:ext uri="{9D8B030D-6E8A-4147-A177-3AD203B41FA5}">
-                      <a16:colId xmlns:a16="http://schemas.microsoft.com/office/drawing/2014/main" xmlns="" val="4013610060"/>
+                      <a16:colId xmlns="" xmlns:a16="http://schemas.microsoft.com/office/drawing/2014/main" val="4013610060"/>
                     </a:ext>
                   </a:extLst>
                 </a:gridCol>
                 <a:gridCol w="576000">
                   <a:extLst>
                     <a:ext uri="{9D8B030D-6E8A-4147-A177-3AD203B41FA5}">
-                      <a16:colId xmlns:a16="http://schemas.microsoft.com/office/drawing/2014/main" xmlns="" val="4120775698"/>
+                      <a16:colId xmlns="" xmlns:a16="http://schemas.microsoft.com/office/drawing/2014/main" val="4120775698"/>
                     </a:ext>
                   </a:extLst>
                 </a:gridCol>
                 <a:gridCol w="576000">
                   <a:extLst>
                     <a:ext uri="{9D8B030D-6E8A-4147-A177-3AD203B41FA5}">
-                      <a16:colId xmlns:a16="http://schemas.microsoft.com/office/drawing/2014/main" xmlns="" val="2398927270"/>
+                      <a16:colId xmlns="" xmlns:a16="http://schemas.microsoft.com/office/drawing/2014/main" val="2398927270"/>
                     </a:ext>
                   </a:extLst>
                 </a:gridCol>
                 <a:gridCol w="576000">
                   <a:extLst>
                     <a:ext uri="{9D8B030D-6E8A-4147-A177-3AD203B41FA5}">
-                      <a16:colId xmlns:a16="http://schemas.microsoft.com/office/drawing/2014/main" xmlns="" val="578282490"/>
+                      <a16:colId xmlns="" xmlns:a16="http://schemas.microsoft.com/office/drawing/2014/main" val="578282490"/>
                     </a:ext>
                   </a:extLst>
                 </a:gridCol>
@@ -6235,7 +6354,7 @@
                 </a:tc>
                 <a:extLst>
                   <a:ext uri="{0D108BD9-81ED-4DB2-BD59-A6C34878D82A}">
-                    <a16:rowId xmlns:a16="http://schemas.microsoft.com/office/drawing/2014/main" xmlns="" val="544127792"/>
+                    <a16:rowId xmlns="" xmlns:a16="http://schemas.microsoft.com/office/drawing/2014/main" val="544127792"/>
                   </a:ext>
                 </a:extLst>
               </a:tr>
@@ -6271,35 +6390,35 @@
                 <a:gridCol w="576072">
                   <a:extLst>
                     <a:ext uri="{9D8B030D-6E8A-4147-A177-3AD203B41FA5}">
-                      <a16:colId xmlns:a16="http://schemas.microsoft.com/office/drawing/2014/main" xmlns="" val="1322717240"/>
+                      <a16:colId xmlns="" xmlns:a16="http://schemas.microsoft.com/office/drawing/2014/main" val="1322717240"/>
                     </a:ext>
                   </a:extLst>
                 </a:gridCol>
                 <a:gridCol w="576072">
                   <a:extLst>
                     <a:ext uri="{9D8B030D-6E8A-4147-A177-3AD203B41FA5}">
-                      <a16:colId xmlns:a16="http://schemas.microsoft.com/office/drawing/2014/main" xmlns="" val="4013610060"/>
+                      <a16:colId xmlns="" xmlns:a16="http://schemas.microsoft.com/office/drawing/2014/main" val="4013610060"/>
                     </a:ext>
                   </a:extLst>
                 </a:gridCol>
                 <a:gridCol w="576072">
                   <a:extLst>
                     <a:ext uri="{9D8B030D-6E8A-4147-A177-3AD203B41FA5}">
-                      <a16:colId xmlns:a16="http://schemas.microsoft.com/office/drawing/2014/main" xmlns="" val="4120775698"/>
+                      <a16:colId xmlns="" xmlns:a16="http://schemas.microsoft.com/office/drawing/2014/main" val="4120775698"/>
                     </a:ext>
                   </a:extLst>
                 </a:gridCol>
                 <a:gridCol w="576072">
                   <a:extLst>
                     <a:ext uri="{9D8B030D-6E8A-4147-A177-3AD203B41FA5}">
-                      <a16:colId xmlns:a16="http://schemas.microsoft.com/office/drawing/2014/main" xmlns="" val="2398927270"/>
+                      <a16:colId xmlns="" xmlns:a16="http://schemas.microsoft.com/office/drawing/2014/main" val="2398927270"/>
                     </a:ext>
                   </a:extLst>
                 </a:gridCol>
                 <a:gridCol w="576072">
                   <a:extLst>
                     <a:ext uri="{9D8B030D-6E8A-4147-A177-3AD203B41FA5}">
-                      <a16:colId xmlns:a16="http://schemas.microsoft.com/office/drawing/2014/main" xmlns="" val="578282490"/>
+                      <a16:colId xmlns="" xmlns:a16="http://schemas.microsoft.com/office/drawing/2014/main" val="578282490"/>
                     </a:ext>
                   </a:extLst>
                 </a:gridCol>
@@ -6612,7 +6731,7 @@
                 </a:tc>
                 <a:extLst>
                   <a:ext uri="{0D108BD9-81ED-4DB2-BD59-A6C34878D82A}">
-                    <a16:rowId xmlns:a16="http://schemas.microsoft.com/office/drawing/2014/main" xmlns="" val="544127792"/>
+                    <a16:rowId xmlns="" xmlns:a16="http://schemas.microsoft.com/office/drawing/2014/main" val="544127792"/>
                   </a:ext>
                 </a:extLst>
               </a:tr>
@@ -6648,35 +6767,35 @@
                 <a:gridCol w="576000">
                   <a:extLst>
                     <a:ext uri="{9D8B030D-6E8A-4147-A177-3AD203B41FA5}">
-                      <a16:colId xmlns:a16="http://schemas.microsoft.com/office/drawing/2014/main" xmlns="" val="1322717240"/>
+                      <a16:colId xmlns="" xmlns:a16="http://schemas.microsoft.com/office/drawing/2014/main" val="1322717240"/>
                     </a:ext>
                   </a:extLst>
                 </a:gridCol>
                 <a:gridCol w="576000">
                   <a:extLst>
                     <a:ext uri="{9D8B030D-6E8A-4147-A177-3AD203B41FA5}">
-                      <a16:colId xmlns:a16="http://schemas.microsoft.com/office/drawing/2014/main" xmlns="" val="4013610060"/>
+                      <a16:colId xmlns="" xmlns:a16="http://schemas.microsoft.com/office/drawing/2014/main" val="4013610060"/>
                     </a:ext>
                   </a:extLst>
                 </a:gridCol>
                 <a:gridCol w="576000">
                   <a:extLst>
                     <a:ext uri="{9D8B030D-6E8A-4147-A177-3AD203B41FA5}">
-                      <a16:colId xmlns:a16="http://schemas.microsoft.com/office/drawing/2014/main" xmlns="" val="4120775698"/>
+                      <a16:colId xmlns="" xmlns:a16="http://schemas.microsoft.com/office/drawing/2014/main" val="4120775698"/>
                     </a:ext>
                   </a:extLst>
                 </a:gridCol>
                 <a:gridCol w="576000">
                   <a:extLst>
                     <a:ext uri="{9D8B030D-6E8A-4147-A177-3AD203B41FA5}">
-                      <a16:colId xmlns:a16="http://schemas.microsoft.com/office/drawing/2014/main" xmlns="" val="2398927270"/>
+                      <a16:colId xmlns="" xmlns:a16="http://schemas.microsoft.com/office/drawing/2014/main" val="2398927270"/>
                     </a:ext>
                   </a:extLst>
                 </a:gridCol>
                 <a:gridCol w="576000">
                   <a:extLst>
                     <a:ext uri="{9D8B030D-6E8A-4147-A177-3AD203B41FA5}">
-                      <a16:colId xmlns:a16="http://schemas.microsoft.com/office/drawing/2014/main" xmlns="" val="578282490"/>
+                      <a16:colId xmlns="" xmlns:a16="http://schemas.microsoft.com/office/drawing/2014/main" val="578282490"/>
                     </a:ext>
                   </a:extLst>
                 </a:gridCol>
@@ -6989,7 +7108,7 @@
                 </a:tc>
                 <a:extLst>
                   <a:ext uri="{0D108BD9-81ED-4DB2-BD59-A6C34878D82A}">
-                    <a16:rowId xmlns:a16="http://schemas.microsoft.com/office/drawing/2014/main" xmlns="" val="544127792"/>
+                    <a16:rowId xmlns="" xmlns:a16="http://schemas.microsoft.com/office/drawing/2014/main" val="544127792"/>
                   </a:ext>
                 </a:extLst>
               </a:tr>
@@ -7444,21 +7563,57 @@
           <a:bodyPr/>
           <a:lstStyle/>
           <a:p>
-            <a:r>
-              <a:rPr kumimoji="1" lang="ja-JP" altLang="en-US" dirty="0" smtClean="0"/>
+            <a:pPr algn="l"/>
+            <a:r>
+              <a:rPr lang="ja-JP" altLang="en-US" dirty="0"/>
               <a:t>アイテム集合</a:t>
             </a:r>
             <a:r>
-              <a:rPr kumimoji="1" lang="en-US" altLang="ja-JP" dirty="0" smtClean="0"/>
+              <a:rPr lang="en-US" altLang="ja-JP" dirty="0"/>
               <a:t>2</a:t>
             </a:r>
             <a:r>
-              <a:rPr kumimoji="1" lang="ja-JP" altLang="en-US" dirty="0" smtClean="0"/>
-              <a:t>の一部アイテムの価値を</a:t>
+              <a:rPr lang="ja-JP" altLang="en-US" dirty="0"/>
+              <a:t>の内，</a:t>
+            </a:r>
+            <a:r>
+              <a:rPr lang="en-US" altLang="ja-JP" i="1" dirty="0">
+                <a:latin typeface="Symbol" panose="05050102010706020507" pitchFamily="18" charset="2"/>
+              </a:rPr>
+              <a:t>b </a:t>
+            </a:r>
+            <a:r>
+              <a:rPr lang="en-US" altLang="ja-JP" dirty="0"/>
+              <a:t>%</a:t>
+            </a:r>
+            <a:r>
+              <a:rPr lang="ja-JP" altLang="en-US" dirty="0">
+                <a:latin typeface="Symbol" panose="05050102010706020507" pitchFamily="18" charset="2"/>
+              </a:rPr>
+              <a:t>の</a:t>
+            </a:r>
+            <a:r>
+              <a:rPr lang="ja-JP" altLang="en-US" dirty="0"/>
+              <a:t>価値を反転する</a:t>
             </a:r>
             <a:r>
               <a:rPr lang="ja-JP" altLang="en-US" dirty="0" smtClean="0"/>
-              <a:t>反転する．有効利用できる解とできない解がある．</a:t>
+              <a:t>．</a:t>
+            </a:r>
+            <a:r>
+              <a:rPr lang="en-US" altLang="ja-JP" dirty="0" smtClean="0"/>
+              <a:t/>
+            </a:r>
+            <a:br>
+              <a:rPr lang="en-US" altLang="ja-JP" dirty="0" smtClean="0"/>
+            </a:br>
+            <a:r>
+              <a:rPr lang="ja-JP" altLang="en-US" dirty="0" smtClean="0"/>
+              <a:t>有効</a:t>
+            </a:r>
+            <a:r>
+              <a:rPr lang="ja-JP" altLang="en-US" dirty="0" smtClean="0"/>
+              <a:t>利用できる解とできない解がある．</a:t>
             </a:r>
             <a:endParaRPr kumimoji="1" lang="ja-JP" altLang="en-US" dirty="0"/>
           </a:p>
@@ -7531,7 +7686,7 @@
         </p:nvSpPr>
         <p:spPr>
           <a:xfrm>
-            <a:off x="382977" y="3481549"/>
+            <a:off x="382977" y="3227549"/>
             <a:ext cx="1469571" cy="584775"/>
           </a:xfrm>
           <a:prstGeom prst="rect">
@@ -7571,7 +7726,7 @@
         </p:nvSpPr>
         <p:spPr>
           <a:xfrm>
-            <a:off x="4841890" y="3481549"/>
+            <a:off x="4841890" y="3227549"/>
             <a:ext cx="1479018" cy="584775"/>
           </a:xfrm>
           <a:prstGeom prst="rect">
@@ -7611,7 +7766,7 @@
         </p:nvGrpSpPr>
         <p:grpSpPr>
           <a:xfrm>
-            <a:off x="793554" y="4483082"/>
+            <a:off x="793554" y="4229082"/>
             <a:ext cx="2121560" cy="957600"/>
             <a:chOff x="971687" y="4031820"/>
             <a:chExt cx="2121560" cy="957600"/>
@@ -7871,7 +8026,7 @@
         </p:nvGrpSpPr>
         <p:grpSpPr>
           <a:xfrm>
-            <a:off x="892554" y="5025380"/>
+            <a:off x="892554" y="4771380"/>
             <a:ext cx="846601" cy="308121"/>
             <a:chOff x="892554" y="4574118"/>
             <a:chExt cx="846601" cy="308121"/>
@@ -7978,7 +8133,7 @@
         </p:nvGrpSpPr>
         <p:grpSpPr>
           <a:xfrm>
-            <a:off x="5345966" y="4483082"/>
+            <a:off x="5345966" y="4229082"/>
             <a:ext cx="2121560" cy="957600"/>
             <a:chOff x="6034735" y="4031820"/>
             <a:chExt cx="2121560" cy="957600"/>
@@ -8238,7 +8393,7 @@
         </p:nvGrpSpPr>
         <p:grpSpPr>
           <a:xfrm>
-            <a:off x="5444966" y="5025380"/>
+            <a:off x="5444966" y="4771380"/>
             <a:ext cx="846601" cy="308121"/>
             <a:chOff x="5444966" y="4574118"/>
             <a:chExt cx="846601" cy="308121"/>
@@ -8345,7 +8500,7 @@
         </p:nvSpPr>
         <p:spPr>
           <a:xfrm>
-            <a:off x="228600" y="2699605"/>
+            <a:off x="228600" y="2445605"/>
             <a:ext cx="5117366" cy="584775"/>
           </a:xfrm>
           <a:prstGeom prst="rect">
@@ -8394,7 +8549,7 @@
         </p:nvGrpSpPr>
         <p:grpSpPr>
           <a:xfrm>
-            <a:off x="3261120" y="4838966"/>
+            <a:off x="3261120" y="4584966"/>
             <a:ext cx="1781300" cy="258725"/>
             <a:chOff x="3261120" y="4387704"/>
             <a:chExt cx="1781300" cy="258725"/>
@@ -8481,7 +8636,7 @@
         </p:nvGrpSpPr>
         <p:grpSpPr>
           <a:xfrm>
-            <a:off x="6830652" y="5637933"/>
+            <a:off x="6830652" y="5701433"/>
             <a:ext cx="2084748" cy="915267"/>
             <a:chOff x="-2169204" y="2467875"/>
             <a:chExt cx="2084748" cy="915267"/>
@@ -8754,6 +8909,74 @@
           </p:txBody>
         </p:sp>
       </p:grpSp>
+      <p:sp>
+        <p:nvSpPr>
+          <p:cNvPr id="41" name="テキスト ボックス 40"/>
+          <p:cNvSpPr txBox="1"/>
+          <p:nvPr/>
+        </p:nvSpPr>
+        <p:spPr>
+          <a:xfrm>
+            <a:off x="5183800" y="5189221"/>
+            <a:ext cx="2445893" cy="954107"/>
+          </a:xfrm>
+          <a:prstGeom prst="rect">
+            <a:avLst/>
+          </a:prstGeom>
+          <a:noFill/>
+          <a:ln w="19050">
+            <a:noFill/>
+          </a:ln>
+        </p:spPr>
+        <p:txBody>
+          <a:bodyPr wrap="square" rtlCol="0">
+            <a:spAutoFit/>
+          </a:bodyPr>
+          <a:lstStyle/>
+          <a:p>
+            <a:pPr algn="ctr"/>
+            <a:r>
+              <a:rPr kumimoji="1" lang="ja-JP" altLang="en-US" sz="2800" dirty="0" smtClean="0"/>
+              <a:t>淘汰されない</a:t>
+            </a:r>
+            <a:endParaRPr kumimoji="1" lang="ja-JP" altLang="en-US" sz="2800" dirty="0" smtClean="0"/>
+          </a:p>
+        </p:txBody>
+      </p:sp>
+      <p:sp>
+        <p:nvSpPr>
+          <p:cNvPr id="42" name="テキスト ボックス 41"/>
+          <p:cNvSpPr txBox="1"/>
+          <p:nvPr/>
+        </p:nvSpPr>
+        <p:spPr>
+          <a:xfrm>
+            <a:off x="740778" y="5189221"/>
+            <a:ext cx="2223539" cy="954107"/>
+          </a:xfrm>
+          <a:prstGeom prst="rect">
+            <a:avLst/>
+          </a:prstGeom>
+          <a:noFill/>
+          <a:ln w="19050">
+            <a:noFill/>
+          </a:ln>
+        </p:spPr>
+        <p:txBody>
+          <a:bodyPr wrap="square" rtlCol="0">
+            <a:spAutoFit/>
+          </a:bodyPr>
+          <a:lstStyle/>
+          <a:p>
+            <a:pPr algn="ctr"/>
+            <a:r>
+              <a:rPr kumimoji="1" lang="ja-JP" altLang="en-US" sz="2800" dirty="0" smtClean="0"/>
+              <a:t>淘汰されない</a:t>
+            </a:r>
+            <a:endParaRPr kumimoji="1" lang="ja-JP" altLang="en-US" sz="2800" dirty="0" smtClean="0"/>
+          </a:p>
+        </p:txBody>
+      </p:sp>
     </p:spTree>
     <p:extLst>
       <p:ext uri="{BB962C8B-B14F-4D97-AF65-F5344CB8AC3E}">
@@ -8871,6 +9094,78 @@
                       </p:childTnLst>
                     </p:cTn>
                   </p:par>
+                  <p:par>
+                    <p:cTn id="11" fill="hold">
+                      <p:stCondLst>
+                        <p:cond delay="indefinite"/>
+                      </p:stCondLst>
+                      <p:childTnLst>
+                        <p:par>
+                          <p:cTn id="12" fill="hold">
+                            <p:stCondLst>
+                              <p:cond delay="0"/>
+                            </p:stCondLst>
+                            <p:childTnLst>
+                              <p:par>
+                                <p:cTn id="13" presetID="1" presetClass="entr" presetSubtype="0" fill="hold" grpId="0" nodeType="clickEffect">
+                                  <p:stCondLst>
+                                    <p:cond delay="0"/>
+                                  </p:stCondLst>
+                                  <p:childTnLst>
+                                    <p:set>
+                                      <p:cBhvr>
+                                        <p:cTn id="14" dur="1" fill="hold">
+                                          <p:stCondLst>
+                                            <p:cond delay="0"/>
+                                          </p:stCondLst>
+                                        </p:cTn>
+                                        <p:tgtEl>
+                                          <p:spTgt spid="41"/>
+                                        </p:tgtEl>
+                                        <p:attrNameLst>
+                                          <p:attrName>style.visibility</p:attrName>
+                                        </p:attrNameLst>
+                                      </p:cBhvr>
+                                      <p:to>
+                                        <p:strVal val="visible"/>
+                                      </p:to>
+                                    </p:set>
+                                  </p:childTnLst>
+                                </p:cTn>
+                              </p:par>
+                              <p:par>
+                                <p:cTn id="15" presetID="1" presetClass="entr" presetSubtype="0" fill="hold" grpId="0" nodeType="withEffect">
+                                  <p:stCondLst>
+                                    <p:cond delay="0"/>
+                                  </p:stCondLst>
+                                  <p:childTnLst>
+                                    <p:set>
+                                      <p:cBhvr>
+                                        <p:cTn id="16" dur="1" fill="hold">
+                                          <p:stCondLst>
+                                            <p:cond delay="0"/>
+                                          </p:stCondLst>
+                                        </p:cTn>
+                                        <p:tgtEl>
+                                          <p:spTgt spid="42"/>
+                                        </p:tgtEl>
+                                        <p:attrNameLst>
+                                          <p:attrName>style.visibility</p:attrName>
+                                        </p:attrNameLst>
+                                      </p:cBhvr>
+                                      <p:to>
+                                        <p:strVal val="visible"/>
+                                      </p:to>
+                                    </p:set>
+                                  </p:childTnLst>
+                                </p:cTn>
+                              </p:par>
+                            </p:childTnLst>
+                          </p:cTn>
+                        </p:par>
+                      </p:childTnLst>
+                    </p:cTn>
+                  </p:par>
                 </p:childTnLst>
               </p:cTn>
               <p:prevCondLst>
@@ -8892,6 +9187,10 @@
         </p:cTn>
       </p:par>
     </p:tnLst>
+    <p:bldLst>
+      <p:bldP spid="41" grpId="0"/>
+      <p:bldP spid="42" grpId="0"/>
+    </p:bldLst>
   </p:timing>
 </p:sld>
 </file>
@@ -8951,21 +9250,57 @@
           <a:bodyPr/>
           <a:lstStyle/>
           <a:p>
-            <a:r>
-              <a:rPr kumimoji="1" lang="ja-JP" altLang="en-US" dirty="0" smtClean="0"/>
+            <a:pPr algn="l"/>
+            <a:r>
+              <a:rPr lang="ja-JP" altLang="en-US" dirty="0"/>
               <a:t>アイテム集合</a:t>
             </a:r>
             <a:r>
-              <a:rPr kumimoji="1" lang="en-US" altLang="ja-JP" dirty="0" smtClean="0"/>
+              <a:rPr lang="en-US" altLang="ja-JP" dirty="0"/>
               <a:t>2</a:t>
             </a:r>
             <a:r>
-              <a:rPr kumimoji="1" lang="ja-JP" altLang="en-US" dirty="0" smtClean="0"/>
-              <a:t>の一部アイテムの価値を</a:t>
+              <a:rPr lang="ja-JP" altLang="en-US" dirty="0"/>
+              <a:t>の内，</a:t>
+            </a:r>
+            <a:r>
+              <a:rPr lang="en-US" altLang="ja-JP" i="1" dirty="0">
+                <a:latin typeface="Symbol" panose="05050102010706020507" pitchFamily="18" charset="2"/>
+              </a:rPr>
+              <a:t>b </a:t>
+            </a:r>
+            <a:r>
+              <a:rPr lang="en-US" altLang="ja-JP" dirty="0"/>
+              <a:t>%</a:t>
+            </a:r>
+            <a:r>
+              <a:rPr lang="ja-JP" altLang="en-US" dirty="0">
+                <a:latin typeface="Symbol" panose="05050102010706020507" pitchFamily="18" charset="2"/>
+              </a:rPr>
+              <a:t>の</a:t>
+            </a:r>
+            <a:r>
+              <a:rPr lang="ja-JP" altLang="en-US" dirty="0"/>
+              <a:t>価値を反転する</a:t>
             </a:r>
             <a:r>
               <a:rPr lang="ja-JP" altLang="en-US" dirty="0" smtClean="0"/>
-              <a:t>反転する．有効利用できる解とできない解がある．</a:t>
+              <a:t>．</a:t>
+            </a:r>
+            <a:r>
+              <a:rPr lang="en-US" altLang="ja-JP" dirty="0" smtClean="0"/>
+              <a:t/>
+            </a:r>
+            <a:br>
+              <a:rPr lang="en-US" altLang="ja-JP" dirty="0" smtClean="0"/>
+            </a:br>
+            <a:r>
+              <a:rPr lang="ja-JP" altLang="en-US" dirty="0" smtClean="0"/>
+              <a:t>有効</a:t>
+            </a:r>
+            <a:r>
+              <a:rPr lang="ja-JP" altLang="en-US" dirty="0" smtClean="0"/>
+              <a:t>利用できる解とできない解がある．</a:t>
             </a:r>
             <a:endParaRPr kumimoji="1" lang="ja-JP" altLang="en-US" dirty="0"/>
           </a:p>
@@ -9030,15 +9365,610 @@
           </a:p>
         </p:txBody>
       </p:sp>
+      <p:grpSp>
+        <p:nvGrpSpPr>
+          <p:cNvPr id="50" name="グループ化 49"/>
+          <p:cNvGrpSpPr/>
+          <p:nvPr/>
+        </p:nvGrpSpPr>
+        <p:grpSpPr>
+          <a:xfrm>
+            <a:off x="6830652" y="5701433"/>
+            <a:ext cx="2084748" cy="915267"/>
+            <a:chOff x="-2169204" y="2467875"/>
+            <a:chExt cx="2084748" cy="915267"/>
+          </a:xfrm>
+        </p:grpSpPr>
+        <p:grpSp>
+          <p:nvGrpSpPr>
+            <p:cNvPr id="58" name="グループ化 57"/>
+            <p:cNvGrpSpPr/>
+            <p:nvPr/>
+          </p:nvGrpSpPr>
+          <p:grpSpPr>
+            <a:xfrm>
+              <a:off x="-2102493" y="2485308"/>
+              <a:ext cx="1951327" cy="880400"/>
+              <a:chOff x="-1153240" y="3422852"/>
+              <a:chExt cx="1951327" cy="880400"/>
+            </a:xfrm>
+          </p:grpSpPr>
+          <p:grpSp>
+            <p:nvGrpSpPr>
+              <p:cNvPr id="62" name="グループ化 61"/>
+              <p:cNvGrpSpPr/>
+              <p:nvPr/>
+            </p:nvGrpSpPr>
+            <p:grpSpPr>
+              <a:xfrm>
+                <a:off x="-1153240" y="3422852"/>
+                <a:ext cx="1951326" cy="430887"/>
+                <a:chOff x="-1153240" y="3422852"/>
+                <a:chExt cx="1951326" cy="430887"/>
+              </a:xfrm>
+            </p:grpSpPr>
+            <p:sp>
+              <p:nvSpPr>
+                <p:cNvPr id="75" name="テキスト ボックス 74"/>
+                <p:cNvSpPr txBox="1"/>
+                <p:nvPr/>
+              </p:nvSpPr>
+              <p:spPr>
+                <a:xfrm>
+                  <a:off x="-1019777" y="3422852"/>
+                  <a:ext cx="1817863" cy="430887"/>
+                </a:xfrm>
+                <a:prstGeom prst="rect">
+                  <a:avLst/>
+                </a:prstGeom>
+                <a:noFill/>
+                <a:ln w="19050">
+                  <a:noFill/>
+                </a:ln>
+              </p:spPr>
+              <p:txBody>
+                <a:bodyPr wrap="square" rtlCol="0">
+                  <a:spAutoFit/>
+                </a:bodyPr>
+                <a:lstStyle/>
+                <a:p>
+                  <a:pPr algn="r"/>
+                  <a:r>
+                    <a:rPr kumimoji="1" lang="ja-JP" altLang="en-US" sz="2200" dirty="0" smtClean="0"/>
+                    <a:t>：タスク</a:t>
+                  </a:r>
+                  <a:r>
+                    <a:rPr kumimoji="1" lang="en-US" altLang="ja-JP" sz="2200" dirty="0" smtClean="0"/>
+                    <a:t>1</a:t>
+                  </a:r>
+                  <a:r>
+                    <a:rPr kumimoji="1" lang="ja-JP" altLang="en-US" sz="2200" dirty="0" smtClean="0"/>
+                    <a:t>の解</a:t>
+                  </a:r>
+                </a:p>
+              </p:txBody>
+            </p:sp>
+            <p:sp>
+              <p:nvSpPr>
+                <p:cNvPr id="76" name="楕円 60"/>
+                <p:cNvSpPr/>
+                <p:nvPr/>
+              </p:nvSpPr>
+              <p:spPr>
+                <a:xfrm>
+                  <a:off x="-1153240" y="3499988"/>
+                  <a:ext cx="308121" cy="307392"/>
+                </a:xfrm>
+                <a:prstGeom prst="ellipse">
+                  <a:avLst/>
+                </a:prstGeom>
+                <a:solidFill>
+                  <a:schemeClr val="accent3"/>
+                </a:solidFill>
+                <a:ln>
+                  <a:noFill/>
+                </a:ln>
+              </p:spPr>
+              <p:style>
+                <a:lnRef idx="2">
+                  <a:schemeClr val="accent1">
+                    <a:shade val="50000"/>
+                  </a:schemeClr>
+                </a:lnRef>
+                <a:fillRef idx="1">
+                  <a:schemeClr val="accent1"/>
+                </a:fillRef>
+                <a:effectRef idx="0">
+                  <a:schemeClr val="accent1"/>
+                </a:effectRef>
+                <a:fontRef idx="minor">
+                  <a:schemeClr val="lt1"/>
+                </a:fontRef>
+              </p:style>
+              <p:txBody>
+                <a:bodyPr rtlCol="0" anchor="ctr"/>
+                <a:lstStyle/>
+                <a:p>
+                  <a:pPr algn="ctr"/>
+                  <a:endParaRPr kumimoji="1" lang="ja-JP" altLang="en-US"/>
+                </a:p>
+              </p:txBody>
+            </p:sp>
+          </p:grpSp>
+          <p:grpSp>
+            <p:nvGrpSpPr>
+              <p:cNvPr id="70" name="グループ化 69"/>
+              <p:cNvGrpSpPr/>
+              <p:nvPr/>
+            </p:nvGrpSpPr>
+            <p:grpSpPr>
+              <a:xfrm>
+                <a:off x="-1153240" y="3872365"/>
+                <a:ext cx="1951327" cy="430887"/>
+                <a:chOff x="-1153240" y="3872365"/>
+                <a:chExt cx="1951327" cy="430887"/>
+              </a:xfrm>
+            </p:grpSpPr>
+            <p:sp>
+              <p:nvSpPr>
+                <p:cNvPr id="73" name="テキスト ボックス 72"/>
+                <p:cNvSpPr txBox="1"/>
+                <p:nvPr/>
+              </p:nvSpPr>
+              <p:spPr>
+                <a:xfrm>
+                  <a:off x="-1019777" y="3872365"/>
+                  <a:ext cx="1817864" cy="430887"/>
+                </a:xfrm>
+                <a:prstGeom prst="rect">
+                  <a:avLst/>
+                </a:prstGeom>
+                <a:noFill/>
+                <a:ln w="19050">
+                  <a:noFill/>
+                </a:ln>
+              </p:spPr>
+              <p:txBody>
+                <a:bodyPr wrap="square" rtlCol="0">
+                  <a:spAutoFit/>
+                </a:bodyPr>
+                <a:lstStyle/>
+                <a:p>
+                  <a:pPr algn="r"/>
+                  <a:r>
+                    <a:rPr kumimoji="1" lang="ja-JP" altLang="en-US" sz="2200" dirty="0" smtClean="0"/>
+                    <a:t>：タスク</a:t>
+                  </a:r>
+                  <a:r>
+                    <a:rPr kumimoji="1" lang="en-US" altLang="ja-JP" sz="2200" dirty="0" smtClean="0"/>
+                    <a:t>2</a:t>
+                  </a:r>
+                  <a:r>
+                    <a:rPr kumimoji="1" lang="ja-JP" altLang="en-US" sz="2200" dirty="0" smtClean="0"/>
+                    <a:t>の解</a:t>
+                  </a:r>
+                </a:p>
+              </p:txBody>
+            </p:sp>
+            <p:sp>
+              <p:nvSpPr>
+                <p:cNvPr id="74" name="楕円 72"/>
+                <p:cNvSpPr/>
+                <p:nvPr/>
+              </p:nvSpPr>
+              <p:spPr>
+                <a:xfrm>
+                  <a:off x="-1153240" y="3979288"/>
+                  <a:ext cx="308121" cy="308121"/>
+                </a:xfrm>
+                <a:prstGeom prst="ellipse">
+                  <a:avLst/>
+                </a:prstGeom>
+                <a:solidFill>
+                  <a:schemeClr val="accent1"/>
+                </a:solidFill>
+                <a:ln>
+                  <a:noFill/>
+                </a:ln>
+              </p:spPr>
+              <p:style>
+                <a:lnRef idx="2">
+                  <a:schemeClr val="accent1">
+                    <a:shade val="50000"/>
+                  </a:schemeClr>
+                </a:lnRef>
+                <a:fillRef idx="1">
+                  <a:schemeClr val="accent1"/>
+                </a:fillRef>
+                <a:effectRef idx="0">
+                  <a:schemeClr val="accent1"/>
+                </a:effectRef>
+                <a:fontRef idx="minor">
+                  <a:schemeClr val="lt1"/>
+                </a:fontRef>
+              </p:style>
+              <p:txBody>
+                <a:bodyPr rtlCol="0" anchor="ctr"/>
+                <a:lstStyle/>
+                <a:p>
+                  <a:pPr algn="ctr"/>
+                  <a:endParaRPr kumimoji="1" lang="ja-JP" altLang="en-US"/>
+                </a:p>
+              </p:txBody>
+            </p:sp>
+          </p:grpSp>
+        </p:grpSp>
+        <p:sp>
+          <p:nvSpPr>
+            <p:cNvPr id="61" name="正方形/長方形 60"/>
+            <p:cNvSpPr/>
+            <p:nvPr/>
+          </p:nvSpPr>
+          <p:spPr>
+            <a:xfrm>
+              <a:off x="-2169204" y="2467875"/>
+              <a:ext cx="2084748" cy="915267"/>
+            </a:xfrm>
+            <a:prstGeom prst="rect">
+              <a:avLst/>
+            </a:prstGeom>
+            <a:noFill/>
+            <a:ln>
+              <a:solidFill>
+                <a:schemeClr val="tx1"/>
+              </a:solidFill>
+              <a:prstDash val="sysDash"/>
+            </a:ln>
+          </p:spPr>
+          <p:style>
+            <a:lnRef idx="2">
+              <a:schemeClr val="accent1">
+                <a:shade val="50000"/>
+              </a:schemeClr>
+            </a:lnRef>
+            <a:fillRef idx="1">
+              <a:schemeClr val="accent1"/>
+            </a:fillRef>
+            <a:effectRef idx="0">
+              <a:schemeClr val="accent1"/>
+            </a:effectRef>
+            <a:fontRef idx="minor">
+              <a:schemeClr val="lt1"/>
+            </a:fontRef>
+          </p:style>
+          <p:txBody>
+            <a:bodyPr rtlCol="0" anchor="ctr"/>
+            <a:lstStyle/>
+            <a:p>
+              <a:pPr algn="ctr"/>
+              <a:endParaRPr kumimoji="1" lang="ja-JP" altLang="en-US"/>
+            </a:p>
+          </p:txBody>
+        </p:sp>
+      </p:grpSp>
+      <p:grpSp>
+        <p:nvGrpSpPr>
+          <p:cNvPr id="77" name="グループ化 76"/>
+          <p:cNvGrpSpPr/>
+          <p:nvPr/>
+        </p:nvGrpSpPr>
+        <p:grpSpPr>
+          <a:xfrm>
+            <a:off x="1969514" y="4764842"/>
+            <a:ext cx="846601" cy="308121"/>
+            <a:chOff x="892554" y="4574118"/>
+            <a:chExt cx="846601" cy="308121"/>
+          </a:xfrm>
+        </p:grpSpPr>
+        <p:sp>
+          <p:nvSpPr>
+            <p:cNvPr id="78" name="楕円 72"/>
+            <p:cNvSpPr/>
+            <p:nvPr/>
+          </p:nvSpPr>
+          <p:spPr>
+            <a:xfrm>
+              <a:off x="892554" y="4574118"/>
+              <a:ext cx="308121" cy="308121"/>
+            </a:xfrm>
+            <a:prstGeom prst="ellipse">
+              <a:avLst/>
+            </a:prstGeom>
+            <a:solidFill>
+              <a:schemeClr val="accent1"/>
+            </a:solidFill>
+            <a:ln>
+              <a:noFill/>
+            </a:ln>
+          </p:spPr>
+          <p:style>
+            <a:lnRef idx="2">
+              <a:schemeClr val="accent1">
+                <a:shade val="50000"/>
+              </a:schemeClr>
+            </a:lnRef>
+            <a:fillRef idx="1">
+              <a:schemeClr val="accent1"/>
+            </a:fillRef>
+            <a:effectRef idx="0">
+              <a:schemeClr val="accent1"/>
+            </a:effectRef>
+            <a:fontRef idx="minor">
+              <a:schemeClr val="lt1"/>
+            </a:fontRef>
+          </p:style>
+          <p:txBody>
+            <a:bodyPr rtlCol="0" anchor="ctr"/>
+            <a:lstStyle/>
+            <a:p>
+              <a:pPr algn="ctr"/>
+              <a:endParaRPr kumimoji="1" lang="ja-JP" altLang="en-US"/>
+            </a:p>
+          </p:txBody>
+        </p:sp>
+        <p:sp>
+          <p:nvSpPr>
+            <p:cNvPr id="79" name="楕円 73"/>
+            <p:cNvSpPr/>
+            <p:nvPr/>
+          </p:nvSpPr>
+          <p:spPr>
+            <a:xfrm>
+              <a:off x="1431034" y="4574118"/>
+              <a:ext cx="308121" cy="308121"/>
+            </a:xfrm>
+            <a:prstGeom prst="ellipse">
+              <a:avLst/>
+            </a:prstGeom>
+            <a:solidFill>
+              <a:schemeClr val="accent1"/>
+            </a:solidFill>
+            <a:ln>
+              <a:noFill/>
+            </a:ln>
+          </p:spPr>
+          <p:style>
+            <a:lnRef idx="2">
+              <a:schemeClr val="accent1">
+                <a:shade val="50000"/>
+              </a:schemeClr>
+            </a:lnRef>
+            <a:fillRef idx="1">
+              <a:schemeClr val="accent1"/>
+            </a:fillRef>
+            <a:effectRef idx="0">
+              <a:schemeClr val="accent1"/>
+            </a:effectRef>
+            <a:fontRef idx="minor">
+              <a:schemeClr val="lt1"/>
+            </a:fontRef>
+          </p:style>
+          <p:txBody>
+            <a:bodyPr rtlCol="0" anchor="ctr"/>
+            <a:lstStyle/>
+            <a:p>
+              <a:pPr algn="ctr"/>
+              <a:endParaRPr kumimoji="1" lang="ja-JP" altLang="en-US"/>
+            </a:p>
+          </p:txBody>
+        </p:sp>
+      </p:grpSp>
+      <p:grpSp>
+        <p:nvGrpSpPr>
+          <p:cNvPr id="81" name="グループ化 80"/>
+          <p:cNvGrpSpPr/>
+          <p:nvPr/>
+        </p:nvGrpSpPr>
+        <p:grpSpPr>
+          <a:xfrm>
+            <a:off x="6521926" y="4764594"/>
+            <a:ext cx="846601" cy="308121"/>
+            <a:chOff x="5444966" y="4574118"/>
+            <a:chExt cx="846601" cy="308121"/>
+          </a:xfrm>
+        </p:grpSpPr>
+        <p:sp>
+          <p:nvSpPr>
+            <p:cNvPr id="93" name="楕円 88"/>
+            <p:cNvSpPr/>
+            <p:nvPr/>
+          </p:nvSpPr>
+          <p:spPr>
+            <a:xfrm>
+              <a:off x="5444966" y="4574118"/>
+              <a:ext cx="308121" cy="308121"/>
+            </a:xfrm>
+            <a:prstGeom prst="ellipse">
+              <a:avLst/>
+            </a:prstGeom>
+            <a:solidFill>
+              <a:schemeClr val="accent3"/>
+            </a:solidFill>
+            <a:ln>
+              <a:noFill/>
+            </a:ln>
+          </p:spPr>
+          <p:style>
+            <a:lnRef idx="2">
+              <a:schemeClr val="accent1">
+                <a:shade val="50000"/>
+              </a:schemeClr>
+            </a:lnRef>
+            <a:fillRef idx="1">
+              <a:schemeClr val="accent1"/>
+            </a:fillRef>
+            <a:effectRef idx="0">
+              <a:schemeClr val="accent1"/>
+            </a:effectRef>
+            <a:fontRef idx="minor">
+              <a:schemeClr val="lt1"/>
+            </a:fontRef>
+          </p:style>
+          <p:txBody>
+            <a:bodyPr rtlCol="0" anchor="ctr"/>
+            <a:lstStyle/>
+            <a:p>
+              <a:pPr algn="ctr"/>
+              <a:endParaRPr kumimoji="1" lang="ja-JP" altLang="en-US"/>
+            </a:p>
+          </p:txBody>
+        </p:sp>
+        <p:sp>
+          <p:nvSpPr>
+            <p:cNvPr id="94" name="楕円 89"/>
+            <p:cNvSpPr/>
+            <p:nvPr/>
+          </p:nvSpPr>
+          <p:spPr>
+            <a:xfrm>
+              <a:off x="5983446" y="4574118"/>
+              <a:ext cx="308121" cy="308121"/>
+            </a:xfrm>
+            <a:prstGeom prst="ellipse">
+              <a:avLst/>
+            </a:prstGeom>
+            <a:solidFill>
+              <a:schemeClr val="accent3"/>
+            </a:solidFill>
+            <a:ln>
+              <a:noFill/>
+            </a:ln>
+          </p:spPr>
+          <p:style>
+            <a:lnRef idx="2">
+              <a:schemeClr val="accent1">
+                <a:shade val="50000"/>
+              </a:schemeClr>
+            </a:lnRef>
+            <a:fillRef idx="1">
+              <a:schemeClr val="accent1"/>
+            </a:fillRef>
+            <a:effectRef idx="0">
+              <a:schemeClr val="accent1"/>
+            </a:effectRef>
+            <a:fontRef idx="minor">
+              <a:schemeClr val="lt1"/>
+            </a:fontRef>
+          </p:style>
+          <p:txBody>
+            <a:bodyPr rtlCol="0" anchor="ctr"/>
+            <a:lstStyle/>
+            <a:p>
+              <a:pPr algn="ctr"/>
+              <a:endParaRPr kumimoji="1" lang="ja-JP" altLang="en-US"/>
+            </a:p>
+          </p:txBody>
+        </p:sp>
+      </p:grpSp>
       <p:sp>
         <p:nvSpPr>
-          <p:cNvPr id="19" name="テキスト ボックス 18"/>
+          <p:cNvPr id="95" name="乗算 2"/>
+          <p:cNvSpPr/>
+          <p:nvPr/>
+        </p:nvSpPr>
+        <p:spPr>
+          <a:xfrm>
+            <a:off x="6004682" y="4522534"/>
+            <a:ext cx="1854570" cy="785270"/>
+          </a:xfrm>
+          <a:prstGeom prst="mathMultiply">
+            <a:avLst>
+              <a:gd name="adj1" fmla="val 6609"/>
+            </a:avLst>
+          </a:prstGeom>
+          <a:solidFill>
+            <a:schemeClr val="tx1"/>
+          </a:solidFill>
+          <a:ln>
+            <a:solidFill>
+              <a:schemeClr val="tx1"/>
+            </a:solidFill>
+          </a:ln>
+        </p:spPr>
+        <p:style>
+          <a:lnRef idx="2">
+            <a:schemeClr val="accent1">
+              <a:shade val="50000"/>
+            </a:schemeClr>
+          </a:lnRef>
+          <a:fillRef idx="1">
+            <a:schemeClr val="accent1"/>
+          </a:fillRef>
+          <a:effectRef idx="0">
+            <a:schemeClr val="accent1"/>
+          </a:effectRef>
+          <a:fontRef idx="minor">
+            <a:schemeClr val="lt1"/>
+          </a:fontRef>
+        </p:style>
+        <p:txBody>
+          <a:bodyPr rtlCol="0" anchor="ctr"/>
+          <a:lstStyle/>
+          <a:p>
+            <a:pPr algn="ctr"/>
+            <a:endParaRPr kumimoji="1" lang="ja-JP" altLang="en-US"/>
+          </a:p>
+        </p:txBody>
+      </p:sp>
+      <p:sp>
+        <p:nvSpPr>
+          <p:cNvPr id="96" name="乗算 96"/>
+          <p:cNvSpPr/>
+          <p:nvPr/>
+        </p:nvSpPr>
+        <p:spPr>
+          <a:xfrm>
+            <a:off x="1452270" y="4522534"/>
+            <a:ext cx="1854570" cy="785270"/>
+          </a:xfrm>
+          <a:prstGeom prst="mathMultiply">
+            <a:avLst>
+              <a:gd name="adj1" fmla="val 6609"/>
+            </a:avLst>
+          </a:prstGeom>
+          <a:solidFill>
+            <a:schemeClr val="tx1"/>
+          </a:solidFill>
+          <a:ln>
+            <a:solidFill>
+              <a:schemeClr val="tx1"/>
+            </a:solidFill>
+          </a:ln>
+        </p:spPr>
+        <p:style>
+          <a:lnRef idx="2">
+            <a:schemeClr val="accent1">
+              <a:shade val="50000"/>
+            </a:schemeClr>
+          </a:lnRef>
+          <a:fillRef idx="1">
+            <a:schemeClr val="accent1"/>
+          </a:fillRef>
+          <a:effectRef idx="0">
+            <a:schemeClr val="accent1"/>
+          </a:effectRef>
+          <a:fontRef idx="minor">
+            <a:schemeClr val="lt1"/>
+          </a:fontRef>
+        </p:style>
+        <p:txBody>
+          <a:bodyPr rtlCol="0" anchor="ctr"/>
+          <a:lstStyle/>
+          <a:p>
+            <a:pPr algn="ctr"/>
+            <a:endParaRPr kumimoji="1" lang="ja-JP" altLang="en-US"/>
+          </a:p>
+        </p:txBody>
+      </p:sp>
+      <p:sp>
+        <p:nvSpPr>
+          <p:cNvPr id="97" name="テキスト ボックス 96"/>
           <p:cNvSpPr txBox="1"/>
           <p:nvPr/>
         </p:nvSpPr>
         <p:spPr>
           <a:xfrm>
-            <a:off x="382977" y="3481549"/>
+            <a:off x="382977" y="3227549"/>
             <a:ext cx="1469571" cy="584775"/>
           </a:xfrm>
           <a:prstGeom prst="rect">
@@ -9072,13 +10002,13 @@
       </p:sp>
       <p:sp>
         <p:nvSpPr>
-          <p:cNvPr id="20" name="テキスト ボックス 19"/>
+          <p:cNvPr id="98" name="テキスト ボックス 97"/>
           <p:cNvSpPr txBox="1"/>
           <p:nvPr/>
         </p:nvSpPr>
         <p:spPr>
           <a:xfrm>
-            <a:off x="4841890" y="3481549"/>
+            <a:off x="4841890" y="3227549"/>
             <a:ext cx="1479018" cy="584775"/>
           </a:xfrm>
           <a:prstGeom prst="rect">
@@ -9112,13 +10042,13 @@
       </p:sp>
       <p:grpSp>
         <p:nvGrpSpPr>
-          <p:cNvPr id="51" name="グループ化 50"/>
+          <p:cNvPr id="99" name="グループ化 98"/>
           <p:cNvGrpSpPr/>
           <p:nvPr/>
         </p:nvGrpSpPr>
         <p:grpSpPr>
           <a:xfrm>
-            <a:off x="793554" y="4483082"/>
+            <a:off x="793554" y="4229082"/>
             <a:ext cx="2121560" cy="957600"/>
             <a:chOff x="971687" y="4031820"/>
             <a:chExt cx="2121560" cy="957600"/>
@@ -9126,7 +10056,7 @@
         </p:grpSpPr>
         <p:sp>
           <p:nvSpPr>
-            <p:cNvPr id="52" name="正方形/長方形 51"/>
+            <p:cNvPr id="100" name="正方形/長方形 99"/>
             <p:cNvSpPr/>
             <p:nvPr/>
           </p:nvSpPr>
@@ -9172,7 +10102,7 @@
         </p:sp>
         <p:grpSp>
           <p:nvGrpSpPr>
-            <p:cNvPr id="53" name="グループ化 52"/>
+            <p:cNvPr id="101" name="グループ化 100"/>
             <p:cNvGrpSpPr/>
             <p:nvPr/>
           </p:nvGrpSpPr>
@@ -9186,7 +10116,7 @@
           </p:grpSpPr>
           <p:sp>
             <p:nvSpPr>
-              <p:cNvPr id="54" name="楕円 60"/>
+              <p:cNvPr id="102" name="楕円 60"/>
               <p:cNvSpPr/>
               <p:nvPr/>
             </p:nvSpPr>
@@ -9232,7 +10162,7 @@
           </p:sp>
           <p:sp>
             <p:nvSpPr>
-              <p:cNvPr id="55" name="楕円 61"/>
+              <p:cNvPr id="103" name="楕円 61"/>
               <p:cNvSpPr/>
               <p:nvPr/>
             </p:nvSpPr>
@@ -9278,7 +10208,7 @@
           </p:sp>
           <p:sp>
             <p:nvSpPr>
-              <p:cNvPr id="56" name="楕円 62"/>
+              <p:cNvPr id="104" name="楕円 62"/>
               <p:cNvSpPr/>
               <p:nvPr/>
             </p:nvSpPr>
@@ -9324,7 +10254,7 @@
           </p:sp>
           <p:sp>
             <p:nvSpPr>
-              <p:cNvPr id="57" name="楕円 63"/>
+              <p:cNvPr id="105" name="楕円 63"/>
               <p:cNvSpPr/>
               <p:nvPr/>
             </p:nvSpPr>
@@ -9372,13 +10302,13 @@
       </p:grpSp>
       <p:grpSp>
         <p:nvGrpSpPr>
-          <p:cNvPr id="3" name="グループ化 2"/>
+          <p:cNvPr id="106" name="グループ化 105"/>
           <p:cNvGrpSpPr/>
           <p:nvPr/>
         </p:nvGrpSpPr>
         <p:grpSpPr>
           <a:xfrm>
-            <a:off x="892554" y="5025380"/>
+            <a:off x="892554" y="4771380"/>
             <a:ext cx="846601" cy="308121"/>
             <a:chOff x="892554" y="4574118"/>
             <a:chExt cx="846601" cy="308121"/>
@@ -9386,7 +10316,7 @@
         </p:grpSpPr>
         <p:sp>
           <p:nvSpPr>
-            <p:cNvPr id="59" name="楕円 72"/>
+            <p:cNvPr id="107" name="楕円 72"/>
             <p:cNvSpPr/>
             <p:nvPr/>
           </p:nvSpPr>
@@ -9432,7 +10362,7 @@
         </p:sp>
         <p:sp>
           <p:nvSpPr>
-            <p:cNvPr id="60" name="楕円 73"/>
+            <p:cNvPr id="108" name="楕円 73"/>
             <p:cNvSpPr/>
             <p:nvPr/>
           </p:nvSpPr>
@@ -9479,13 +10409,13 @@
       </p:grpSp>
       <p:grpSp>
         <p:nvGrpSpPr>
-          <p:cNvPr id="63" name="グループ化 62"/>
+          <p:cNvPr id="109" name="グループ化 108"/>
           <p:cNvGrpSpPr/>
           <p:nvPr/>
         </p:nvGrpSpPr>
         <p:grpSpPr>
           <a:xfrm>
-            <a:off x="5345966" y="4483082"/>
+            <a:off x="5345966" y="4229082"/>
             <a:ext cx="2121560" cy="957600"/>
             <a:chOff x="6034735" y="4031820"/>
             <a:chExt cx="2121560" cy="957600"/>
@@ -9493,7 +10423,7 @@
         </p:grpSpPr>
         <p:sp>
           <p:nvSpPr>
-            <p:cNvPr id="64" name="正方形/長方形 63"/>
+            <p:cNvPr id="110" name="正方形/長方形 109"/>
             <p:cNvSpPr/>
             <p:nvPr/>
           </p:nvSpPr>
@@ -9539,7 +10469,7 @@
         </p:sp>
         <p:grpSp>
           <p:nvGrpSpPr>
-            <p:cNvPr id="65" name="グループ化 64"/>
+            <p:cNvPr id="111" name="グループ化 110"/>
             <p:cNvGrpSpPr/>
             <p:nvPr/>
           </p:nvGrpSpPr>
@@ -9553,7 +10483,7 @@
           </p:grpSpPr>
           <p:sp>
             <p:nvSpPr>
-              <p:cNvPr id="66" name="楕円 92"/>
+              <p:cNvPr id="112" name="楕円 92"/>
               <p:cNvSpPr/>
               <p:nvPr/>
             </p:nvSpPr>
@@ -9599,7 +10529,7 @@
           </p:sp>
           <p:sp>
             <p:nvSpPr>
-              <p:cNvPr id="67" name="楕円 93"/>
+              <p:cNvPr id="113" name="楕円 93"/>
               <p:cNvSpPr/>
               <p:nvPr/>
             </p:nvSpPr>
@@ -9645,7 +10575,7 @@
           </p:sp>
           <p:sp>
             <p:nvSpPr>
-              <p:cNvPr id="68" name="楕円 94"/>
+              <p:cNvPr id="114" name="楕円 94"/>
               <p:cNvSpPr/>
               <p:nvPr/>
             </p:nvSpPr>
@@ -9691,7 +10621,7 @@
           </p:sp>
           <p:sp>
             <p:nvSpPr>
-              <p:cNvPr id="69" name="楕円 95"/>
+              <p:cNvPr id="115" name="楕円 95"/>
               <p:cNvSpPr/>
               <p:nvPr/>
             </p:nvSpPr>
@@ -9739,13 +10669,13 @@
       </p:grpSp>
       <p:grpSp>
         <p:nvGrpSpPr>
-          <p:cNvPr id="9" name="グループ化 8"/>
+          <p:cNvPr id="116" name="グループ化 115"/>
           <p:cNvGrpSpPr/>
           <p:nvPr/>
         </p:nvGrpSpPr>
         <p:grpSpPr>
           <a:xfrm>
-            <a:off x="5444966" y="5025380"/>
+            <a:off x="5444966" y="4771380"/>
             <a:ext cx="846601" cy="308121"/>
             <a:chOff x="5444966" y="4574118"/>
             <a:chExt cx="846601" cy="308121"/>
@@ -9753,7 +10683,7 @@
         </p:grpSpPr>
         <p:sp>
           <p:nvSpPr>
-            <p:cNvPr id="71" name="楕円 88"/>
+            <p:cNvPr id="117" name="楕円 88"/>
             <p:cNvSpPr/>
             <p:nvPr/>
           </p:nvSpPr>
@@ -9799,7 +10729,7 @@
         </p:sp>
         <p:sp>
           <p:nvSpPr>
-            <p:cNvPr id="72" name="楕円 89"/>
+            <p:cNvPr id="118" name="楕円 89"/>
             <p:cNvSpPr/>
             <p:nvPr/>
           </p:nvSpPr>
@@ -9846,14 +10776,14 @@
       </p:grpSp>
       <p:sp>
         <p:nvSpPr>
-          <p:cNvPr id="83" name="テキスト ボックス 82"/>
+          <p:cNvPr id="119" name="テキスト ボックス 118"/>
           <p:cNvSpPr txBox="1"/>
           <p:nvPr/>
         </p:nvSpPr>
         <p:spPr>
           <a:xfrm>
-            <a:off x="228599" y="2699605"/>
-            <a:ext cx="4813819" cy="584775"/>
+            <a:off x="228600" y="2445605"/>
+            <a:ext cx="5117366" cy="584775"/>
           </a:xfrm>
           <a:prstGeom prst="rect">
             <a:avLst/>
@@ -9887,7 +10817,11 @@
             </a:r>
             <a:r>
               <a:rPr lang="ja-JP" altLang="en-US" sz="3200" dirty="0" smtClean="0"/>
-              <a:t>を重視した解の場合</a:t>
+              <a:t>を</a:t>
+            </a:r>
+            <a:r>
+              <a:rPr lang="ja-JP" altLang="en-US" sz="3200" dirty="0" smtClean="0"/>
+              <a:t>重視した解の場合</a:t>
             </a:r>
             <a:endParaRPr kumimoji="1" lang="ja-JP" altLang="en-US" sz="3200" dirty="0" smtClean="0"/>
           </a:p>
@@ -9895,13 +10829,13 @@
       </p:sp>
       <p:grpSp>
         <p:nvGrpSpPr>
-          <p:cNvPr id="2" name="グループ化 1"/>
+          <p:cNvPr id="120" name="グループ化 119"/>
           <p:cNvGrpSpPr/>
           <p:nvPr/>
         </p:nvGrpSpPr>
         <p:grpSpPr>
           <a:xfrm>
-            <a:off x="3261120" y="4838966"/>
+            <a:off x="3261120" y="4584966"/>
             <a:ext cx="1781300" cy="258725"/>
             <a:chOff x="3261120" y="4387704"/>
             <a:chExt cx="1781300" cy="258725"/>
@@ -9909,7 +10843,7 @@
         </p:grpSpPr>
         <p:cxnSp>
           <p:nvCxnSpPr>
-            <p:cNvPr id="82" name="直線矢印コネクタ 81"/>
+            <p:cNvPr id="121" name="直線矢印コネクタ 120"/>
             <p:cNvCxnSpPr/>
             <p:nvPr/>
           </p:nvCxnSpPr>
@@ -9945,7 +10879,7 @@
         </p:cxnSp>
         <p:cxnSp>
           <p:nvCxnSpPr>
-            <p:cNvPr id="80" name="直線矢印コネクタ 79"/>
+            <p:cNvPr id="122" name="直線矢印コネクタ 121"/>
             <p:cNvCxnSpPr/>
             <p:nvPr/>
           </p:nvCxnSpPr>
@@ -9980,598 +10914,71 @@
           </p:style>
         </p:cxnSp>
       </p:grpSp>
-      <p:grpSp>
-        <p:nvGrpSpPr>
-          <p:cNvPr id="84" name="グループ化 83"/>
-          <p:cNvGrpSpPr/>
-          <p:nvPr/>
-        </p:nvGrpSpPr>
-        <p:grpSpPr>
-          <a:xfrm>
-            <a:off x="6830652" y="5637933"/>
-            <a:ext cx="2084748" cy="915267"/>
-            <a:chOff x="-2169204" y="2467875"/>
-            <a:chExt cx="2084748" cy="915267"/>
-          </a:xfrm>
-        </p:grpSpPr>
-        <p:grpSp>
-          <p:nvGrpSpPr>
-            <p:cNvPr id="85" name="グループ化 84"/>
-            <p:cNvGrpSpPr/>
-            <p:nvPr/>
-          </p:nvGrpSpPr>
-          <p:grpSpPr>
-            <a:xfrm>
-              <a:off x="-2102493" y="2485308"/>
-              <a:ext cx="1951327" cy="880400"/>
-              <a:chOff x="-1153240" y="3422852"/>
-              <a:chExt cx="1951327" cy="880400"/>
-            </a:xfrm>
-          </p:grpSpPr>
-          <p:grpSp>
-            <p:nvGrpSpPr>
-              <p:cNvPr id="87" name="グループ化 86"/>
-              <p:cNvGrpSpPr/>
-              <p:nvPr/>
-            </p:nvGrpSpPr>
-            <p:grpSpPr>
-              <a:xfrm>
-                <a:off x="-1153240" y="3422852"/>
-                <a:ext cx="1951326" cy="430887"/>
-                <a:chOff x="-1153240" y="3422852"/>
-                <a:chExt cx="1951326" cy="430887"/>
-              </a:xfrm>
-            </p:grpSpPr>
-            <p:sp>
-              <p:nvSpPr>
-                <p:cNvPr id="91" name="テキスト ボックス 90"/>
-                <p:cNvSpPr txBox="1"/>
-                <p:nvPr/>
-              </p:nvSpPr>
-              <p:spPr>
-                <a:xfrm>
-                  <a:off x="-1019777" y="3422852"/>
-                  <a:ext cx="1817863" cy="430887"/>
-                </a:xfrm>
-                <a:prstGeom prst="rect">
-                  <a:avLst/>
-                </a:prstGeom>
-                <a:noFill/>
-                <a:ln w="19050">
-                  <a:noFill/>
-                </a:ln>
-              </p:spPr>
-              <p:txBody>
-                <a:bodyPr wrap="square" rtlCol="0">
-                  <a:spAutoFit/>
-                </a:bodyPr>
-                <a:lstStyle/>
-                <a:p>
-                  <a:pPr algn="r"/>
-                  <a:r>
-                    <a:rPr kumimoji="1" lang="ja-JP" altLang="en-US" sz="2200" dirty="0" smtClean="0"/>
-                    <a:t>：タスク</a:t>
-                  </a:r>
-                  <a:r>
-                    <a:rPr kumimoji="1" lang="en-US" altLang="ja-JP" sz="2200" dirty="0" smtClean="0"/>
-                    <a:t>1</a:t>
-                  </a:r>
-                  <a:r>
-                    <a:rPr kumimoji="1" lang="ja-JP" altLang="en-US" sz="2200" dirty="0" smtClean="0"/>
-                    <a:t>の解</a:t>
-                  </a:r>
-                </a:p>
-              </p:txBody>
-            </p:sp>
-            <p:sp>
-              <p:nvSpPr>
-                <p:cNvPr id="92" name="楕円 60"/>
-                <p:cNvSpPr/>
-                <p:nvPr/>
-              </p:nvSpPr>
-              <p:spPr>
-                <a:xfrm>
-                  <a:off x="-1153240" y="3499988"/>
-                  <a:ext cx="308121" cy="307392"/>
-                </a:xfrm>
-                <a:prstGeom prst="ellipse">
-                  <a:avLst/>
-                </a:prstGeom>
-                <a:solidFill>
-                  <a:schemeClr val="accent3"/>
-                </a:solidFill>
-                <a:ln>
-                  <a:noFill/>
-                </a:ln>
-              </p:spPr>
-              <p:style>
-                <a:lnRef idx="2">
-                  <a:schemeClr val="accent1">
-                    <a:shade val="50000"/>
-                  </a:schemeClr>
-                </a:lnRef>
-                <a:fillRef idx="1">
-                  <a:schemeClr val="accent1"/>
-                </a:fillRef>
-                <a:effectRef idx="0">
-                  <a:schemeClr val="accent1"/>
-                </a:effectRef>
-                <a:fontRef idx="minor">
-                  <a:schemeClr val="lt1"/>
-                </a:fontRef>
-              </p:style>
-              <p:txBody>
-                <a:bodyPr rtlCol="0" anchor="ctr"/>
-                <a:lstStyle/>
-                <a:p>
-                  <a:pPr algn="ctr"/>
-                  <a:endParaRPr kumimoji="1" lang="ja-JP" altLang="en-US"/>
-                </a:p>
-              </p:txBody>
-            </p:sp>
-          </p:grpSp>
-          <p:grpSp>
-            <p:nvGrpSpPr>
-              <p:cNvPr id="88" name="グループ化 87"/>
-              <p:cNvGrpSpPr/>
-              <p:nvPr/>
-            </p:nvGrpSpPr>
-            <p:grpSpPr>
-              <a:xfrm>
-                <a:off x="-1153240" y="3872365"/>
-                <a:ext cx="1951327" cy="430887"/>
-                <a:chOff x="-1153240" y="3872365"/>
-                <a:chExt cx="1951327" cy="430887"/>
-              </a:xfrm>
-            </p:grpSpPr>
-            <p:sp>
-              <p:nvSpPr>
-                <p:cNvPr id="89" name="テキスト ボックス 88"/>
-                <p:cNvSpPr txBox="1"/>
-                <p:nvPr/>
-              </p:nvSpPr>
-              <p:spPr>
-                <a:xfrm>
-                  <a:off x="-1019777" y="3872365"/>
-                  <a:ext cx="1817864" cy="430887"/>
-                </a:xfrm>
-                <a:prstGeom prst="rect">
-                  <a:avLst/>
-                </a:prstGeom>
-                <a:noFill/>
-                <a:ln w="19050">
-                  <a:noFill/>
-                </a:ln>
-              </p:spPr>
-              <p:txBody>
-                <a:bodyPr wrap="square" rtlCol="0">
-                  <a:spAutoFit/>
-                </a:bodyPr>
-                <a:lstStyle/>
-                <a:p>
-                  <a:pPr algn="r"/>
-                  <a:r>
-                    <a:rPr kumimoji="1" lang="ja-JP" altLang="en-US" sz="2200" dirty="0" smtClean="0"/>
-                    <a:t>：タスク</a:t>
-                  </a:r>
-                  <a:r>
-                    <a:rPr kumimoji="1" lang="en-US" altLang="ja-JP" sz="2200" dirty="0" smtClean="0"/>
-                    <a:t>2</a:t>
-                  </a:r>
-                  <a:r>
-                    <a:rPr kumimoji="1" lang="ja-JP" altLang="en-US" sz="2200" dirty="0" smtClean="0"/>
-                    <a:t>の解</a:t>
-                  </a:r>
-                </a:p>
-              </p:txBody>
-            </p:sp>
-            <p:sp>
-              <p:nvSpPr>
-                <p:cNvPr id="90" name="楕円 72"/>
-                <p:cNvSpPr/>
-                <p:nvPr/>
-              </p:nvSpPr>
-              <p:spPr>
-                <a:xfrm>
-                  <a:off x="-1153240" y="3979288"/>
-                  <a:ext cx="308121" cy="308121"/>
-                </a:xfrm>
-                <a:prstGeom prst="ellipse">
-                  <a:avLst/>
-                </a:prstGeom>
-                <a:solidFill>
-                  <a:schemeClr val="accent1"/>
-                </a:solidFill>
-                <a:ln>
-                  <a:noFill/>
-                </a:ln>
-              </p:spPr>
-              <p:style>
-                <a:lnRef idx="2">
-                  <a:schemeClr val="accent1">
-                    <a:shade val="50000"/>
-                  </a:schemeClr>
-                </a:lnRef>
-                <a:fillRef idx="1">
-                  <a:schemeClr val="accent1"/>
-                </a:fillRef>
-                <a:effectRef idx="0">
-                  <a:schemeClr val="accent1"/>
-                </a:effectRef>
-                <a:fontRef idx="minor">
-                  <a:schemeClr val="lt1"/>
-                </a:fontRef>
-              </p:style>
-              <p:txBody>
-                <a:bodyPr rtlCol="0" anchor="ctr"/>
-                <a:lstStyle/>
-                <a:p>
-                  <a:pPr algn="ctr"/>
-                  <a:endParaRPr kumimoji="1" lang="ja-JP" altLang="en-US"/>
-                </a:p>
-              </p:txBody>
-            </p:sp>
-          </p:grpSp>
-        </p:grpSp>
-        <p:sp>
-          <p:nvSpPr>
-            <p:cNvPr id="86" name="正方形/長方形 85"/>
-            <p:cNvSpPr/>
-            <p:nvPr/>
-          </p:nvSpPr>
-          <p:spPr>
-            <a:xfrm>
-              <a:off x="-2169204" y="2467875"/>
-              <a:ext cx="2084748" cy="915267"/>
-            </a:xfrm>
-            <a:prstGeom prst="rect">
-              <a:avLst/>
-            </a:prstGeom>
-            <a:noFill/>
-            <a:ln>
-              <a:solidFill>
-                <a:schemeClr val="tx1"/>
-              </a:solidFill>
-              <a:prstDash val="sysDash"/>
-            </a:ln>
-          </p:spPr>
-          <p:style>
-            <a:lnRef idx="2">
-              <a:schemeClr val="accent1">
-                <a:shade val="50000"/>
-              </a:schemeClr>
-            </a:lnRef>
-            <a:fillRef idx="1">
-              <a:schemeClr val="accent1"/>
-            </a:fillRef>
-            <a:effectRef idx="0">
-              <a:schemeClr val="accent1"/>
-            </a:effectRef>
-            <a:fontRef idx="minor">
-              <a:schemeClr val="lt1"/>
-            </a:fontRef>
-          </p:style>
-          <p:txBody>
-            <a:bodyPr rtlCol="0" anchor="ctr"/>
-            <a:lstStyle/>
-            <a:p>
-              <a:pPr algn="ctr"/>
-              <a:endParaRPr kumimoji="1" lang="ja-JP" altLang="en-US"/>
-            </a:p>
-          </p:txBody>
-        </p:sp>
-      </p:grpSp>
-      <p:grpSp>
-        <p:nvGrpSpPr>
-          <p:cNvPr id="42" name="グループ化 41"/>
-          <p:cNvGrpSpPr/>
-          <p:nvPr/>
-        </p:nvGrpSpPr>
-        <p:grpSpPr>
-          <a:xfrm>
-            <a:off x="1969514" y="5025380"/>
-            <a:ext cx="846601" cy="308121"/>
-            <a:chOff x="892554" y="4574118"/>
-            <a:chExt cx="846601" cy="308121"/>
-          </a:xfrm>
-        </p:grpSpPr>
-        <p:sp>
-          <p:nvSpPr>
-            <p:cNvPr id="43" name="楕円 72"/>
-            <p:cNvSpPr/>
-            <p:nvPr/>
-          </p:nvSpPr>
-          <p:spPr>
-            <a:xfrm>
-              <a:off x="892554" y="4574118"/>
-              <a:ext cx="308121" cy="308121"/>
-            </a:xfrm>
-            <a:prstGeom prst="ellipse">
-              <a:avLst/>
-            </a:prstGeom>
-            <a:solidFill>
-              <a:schemeClr val="accent1"/>
-            </a:solidFill>
-            <a:ln>
-              <a:noFill/>
-            </a:ln>
-          </p:spPr>
-          <p:style>
-            <a:lnRef idx="2">
-              <a:schemeClr val="accent1">
-                <a:shade val="50000"/>
-              </a:schemeClr>
-            </a:lnRef>
-            <a:fillRef idx="1">
-              <a:schemeClr val="accent1"/>
-            </a:fillRef>
-            <a:effectRef idx="0">
-              <a:schemeClr val="accent1"/>
-            </a:effectRef>
-            <a:fontRef idx="minor">
-              <a:schemeClr val="lt1"/>
-            </a:fontRef>
-          </p:style>
-          <p:txBody>
-            <a:bodyPr rtlCol="0" anchor="ctr"/>
-            <a:lstStyle/>
-            <a:p>
-              <a:pPr algn="ctr"/>
-              <a:endParaRPr kumimoji="1" lang="ja-JP" altLang="en-US"/>
-            </a:p>
-          </p:txBody>
-        </p:sp>
-        <p:sp>
-          <p:nvSpPr>
-            <p:cNvPr id="44" name="楕円 73"/>
-            <p:cNvSpPr/>
-            <p:nvPr/>
-          </p:nvSpPr>
-          <p:spPr>
-            <a:xfrm>
-              <a:off x="1431034" y="4574118"/>
-              <a:ext cx="308121" cy="308121"/>
-            </a:xfrm>
-            <a:prstGeom prst="ellipse">
-              <a:avLst/>
-            </a:prstGeom>
-            <a:solidFill>
-              <a:schemeClr val="accent1"/>
-            </a:solidFill>
-            <a:ln>
-              <a:noFill/>
-            </a:ln>
-          </p:spPr>
-          <p:style>
-            <a:lnRef idx="2">
-              <a:schemeClr val="accent1">
-                <a:shade val="50000"/>
-              </a:schemeClr>
-            </a:lnRef>
-            <a:fillRef idx="1">
-              <a:schemeClr val="accent1"/>
-            </a:fillRef>
-            <a:effectRef idx="0">
-              <a:schemeClr val="accent1"/>
-            </a:effectRef>
-            <a:fontRef idx="minor">
-              <a:schemeClr val="lt1"/>
-            </a:fontRef>
-          </p:style>
-          <p:txBody>
-            <a:bodyPr rtlCol="0" anchor="ctr"/>
-            <a:lstStyle/>
-            <a:p>
-              <a:pPr algn="ctr"/>
-              <a:endParaRPr kumimoji="1" lang="ja-JP" altLang="en-US"/>
-            </a:p>
-          </p:txBody>
-        </p:sp>
-      </p:grpSp>
-      <p:grpSp>
-        <p:nvGrpSpPr>
-          <p:cNvPr id="45" name="グループ化 44"/>
-          <p:cNvGrpSpPr/>
-          <p:nvPr/>
-        </p:nvGrpSpPr>
-        <p:grpSpPr>
-          <a:xfrm>
-            <a:off x="6521926" y="5025132"/>
-            <a:ext cx="846601" cy="308121"/>
-            <a:chOff x="5444966" y="4574118"/>
-            <a:chExt cx="846601" cy="308121"/>
-          </a:xfrm>
-        </p:grpSpPr>
-        <p:sp>
-          <p:nvSpPr>
-            <p:cNvPr id="46" name="楕円 88"/>
-            <p:cNvSpPr/>
-            <p:nvPr/>
-          </p:nvSpPr>
-          <p:spPr>
-            <a:xfrm>
-              <a:off x="5444966" y="4574118"/>
-              <a:ext cx="308121" cy="308121"/>
-            </a:xfrm>
-            <a:prstGeom prst="ellipse">
-              <a:avLst/>
-            </a:prstGeom>
-            <a:solidFill>
-              <a:schemeClr val="accent3"/>
-            </a:solidFill>
-            <a:ln>
-              <a:noFill/>
-            </a:ln>
-          </p:spPr>
-          <p:style>
-            <a:lnRef idx="2">
-              <a:schemeClr val="accent1">
-                <a:shade val="50000"/>
-              </a:schemeClr>
-            </a:lnRef>
-            <a:fillRef idx="1">
-              <a:schemeClr val="accent1"/>
-            </a:fillRef>
-            <a:effectRef idx="0">
-              <a:schemeClr val="accent1"/>
-            </a:effectRef>
-            <a:fontRef idx="minor">
-              <a:schemeClr val="lt1"/>
-            </a:fontRef>
-          </p:style>
-          <p:txBody>
-            <a:bodyPr rtlCol="0" anchor="ctr"/>
-            <a:lstStyle/>
-            <a:p>
-              <a:pPr algn="ctr"/>
-              <a:endParaRPr kumimoji="1" lang="ja-JP" altLang="en-US"/>
-            </a:p>
-          </p:txBody>
-        </p:sp>
-        <p:sp>
-          <p:nvSpPr>
-            <p:cNvPr id="47" name="楕円 89"/>
-            <p:cNvSpPr/>
-            <p:nvPr/>
-          </p:nvSpPr>
-          <p:spPr>
-            <a:xfrm>
-              <a:off x="5983446" y="4574118"/>
-              <a:ext cx="308121" cy="308121"/>
-            </a:xfrm>
-            <a:prstGeom prst="ellipse">
-              <a:avLst/>
-            </a:prstGeom>
-            <a:solidFill>
-              <a:schemeClr val="accent3"/>
-            </a:solidFill>
-            <a:ln>
-              <a:noFill/>
-            </a:ln>
-          </p:spPr>
-          <p:style>
-            <a:lnRef idx="2">
-              <a:schemeClr val="accent1">
-                <a:shade val="50000"/>
-              </a:schemeClr>
-            </a:lnRef>
-            <a:fillRef idx="1">
-              <a:schemeClr val="accent1"/>
-            </a:fillRef>
-            <a:effectRef idx="0">
-              <a:schemeClr val="accent1"/>
-            </a:effectRef>
-            <a:fontRef idx="minor">
-              <a:schemeClr val="lt1"/>
-            </a:fontRef>
-          </p:style>
-          <p:txBody>
-            <a:bodyPr rtlCol="0" anchor="ctr"/>
-            <a:lstStyle/>
-            <a:p>
-              <a:pPr algn="ctr"/>
-              <a:endParaRPr kumimoji="1" lang="ja-JP" altLang="en-US"/>
-            </a:p>
-          </p:txBody>
-        </p:sp>
-      </p:grpSp>
       <p:sp>
         <p:nvSpPr>
-          <p:cNvPr id="48" name="乗算 2"/>
-          <p:cNvSpPr/>
+          <p:cNvPr id="123" name="テキスト ボックス 122"/>
+          <p:cNvSpPr txBox="1"/>
           <p:nvPr/>
         </p:nvSpPr>
         <p:spPr>
           <a:xfrm>
-            <a:off x="6004682" y="4783072"/>
-            <a:ext cx="1854570" cy="785270"/>
+            <a:off x="5183800" y="5189221"/>
+            <a:ext cx="2445893" cy="523220"/>
           </a:xfrm>
-          <a:prstGeom prst="mathMultiply">
-            <a:avLst>
-              <a:gd name="adj1" fmla="val 6609"/>
-            </a:avLst>
+          <a:prstGeom prst="rect">
+            <a:avLst/>
           </a:prstGeom>
-          <a:solidFill>
-            <a:schemeClr val="tx1"/>
-          </a:solidFill>
-          <a:ln>
-            <a:solidFill>
-              <a:schemeClr val="tx1"/>
-            </a:solidFill>
+          <a:noFill/>
+          <a:ln w="19050">
+            <a:noFill/>
           </a:ln>
         </p:spPr>
-        <p:style>
-          <a:lnRef idx="2">
-            <a:schemeClr val="accent1">
-              <a:shade val="50000"/>
-            </a:schemeClr>
-          </a:lnRef>
-          <a:fillRef idx="1">
-            <a:schemeClr val="accent1"/>
-          </a:fillRef>
-          <a:effectRef idx="0">
-            <a:schemeClr val="accent1"/>
-          </a:effectRef>
-          <a:fontRef idx="minor">
-            <a:schemeClr val="lt1"/>
-          </a:fontRef>
-        </p:style>
         <p:txBody>
-          <a:bodyPr rtlCol="0" anchor="ctr"/>
+          <a:bodyPr wrap="square" rtlCol="0">
+            <a:spAutoFit/>
+          </a:bodyPr>
           <a:lstStyle/>
           <a:p>
             <a:pPr algn="ctr"/>
-            <a:endParaRPr kumimoji="1" lang="ja-JP" altLang="en-US"/>
+            <a:r>
+              <a:rPr kumimoji="1" lang="ja-JP" altLang="en-US" sz="2800" dirty="0" smtClean="0"/>
+              <a:t>淘汰される</a:t>
+            </a:r>
+            <a:endParaRPr kumimoji="1" lang="ja-JP" altLang="en-US" sz="2800" dirty="0" smtClean="0"/>
           </a:p>
         </p:txBody>
       </p:sp>
       <p:sp>
         <p:nvSpPr>
-          <p:cNvPr id="49" name="乗算 96"/>
-          <p:cNvSpPr/>
+          <p:cNvPr id="124" name="テキスト ボックス 123"/>
+          <p:cNvSpPr txBox="1"/>
           <p:nvPr/>
         </p:nvSpPr>
         <p:spPr>
           <a:xfrm>
-            <a:off x="1452270" y="4783072"/>
-            <a:ext cx="1854570" cy="785270"/>
+            <a:off x="740778" y="5189221"/>
+            <a:ext cx="2223539" cy="523220"/>
           </a:xfrm>
-          <a:prstGeom prst="mathMultiply">
-            <a:avLst>
-              <a:gd name="adj1" fmla="val 6609"/>
-            </a:avLst>
+          <a:prstGeom prst="rect">
+            <a:avLst/>
           </a:prstGeom>
-          <a:solidFill>
-            <a:schemeClr val="tx1"/>
-          </a:solidFill>
-          <a:ln>
-            <a:solidFill>
-              <a:schemeClr val="tx1"/>
-            </a:solidFill>
+          <a:noFill/>
+          <a:ln w="19050">
+            <a:noFill/>
           </a:ln>
         </p:spPr>
-        <p:style>
-          <a:lnRef idx="2">
-            <a:schemeClr val="accent1">
-              <a:shade val="50000"/>
-            </a:schemeClr>
-          </a:lnRef>
-          <a:fillRef idx="1">
-            <a:schemeClr val="accent1"/>
-          </a:fillRef>
-          <a:effectRef idx="0">
-            <a:schemeClr val="accent1"/>
-          </a:effectRef>
-          <a:fontRef idx="minor">
-            <a:schemeClr val="lt1"/>
-          </a:fontRef>
-        </p:style>
         <p:txBody>
-          <a:bodyPr rtlCol="0" anchor="ctr"/>
+          <a:bodyPr wrap="square" rtlCol="0">
+            <a:spAutoFit/>
+          </a:bodyPr>
           <a:lstStyle/>
           <a:p>
             <a:pPr algn="ctr"/>
-            <a:endParaRPr kumimoji="1" lang="ja-JP" altLang="en-US"/>
+            <a:r>
+              <a:rPr kumimoji="1" lang="ja-JP" altLang="en-US" sz="2800" dirty="0" smtClean="0"/>
+              <a:t>淘汰される</a:t>
+            </a:r>
+            <a:endParaRPr kumimoji="1" lang="ja-JP" altLang="en-US" sz="2800" dirty="0" smtClean="0"/>
           </a:p>
         </p:txBody>
       </p:sp>
@@ -10619,7 +11026,7 @@
                                           </p:stCondLst>
                                         </p:cTn>
                                         <p:tgtEl>
-                                          <p:spTgt spid="49"/>
+                                          <p:spTgt spid="96"/>
                                         </p:tgtEl>
                                         <p:attrNameLst>
                                           <p:attrName>style.visibility</p:attrName>
@@ -10646,7 +11053,61 @@
                                           </p:stCondLst>
                                         </p:cTn>
                                         <p:tgtEl>
-                                          <p:spTgt spid="48"/>
+                                          <p:spTgt spid="95"/>
+                                        </p:tgtEl>
+                                        <p:attrNameLst>
+                                          <p:attrName>style.visibility</p:attrName>
+                                        </p:attrNameLst>
+                                      </p:cBhvr>
+                                      <p:to>
+                                        <p:strVal val="visible"/>
+                                      </p:to>
+                                    </p:set>
+                                  </p:childTnLst>
+                                </p:cTn>
+                              </p:par>
+                              <p:par>
+                                <p:cTn id="9" presetID="1" presetClass="entr" presetSubtype="0" fill="hold" grpId="0" nodeType="withEffect">
+                                  <p:stCondLst>
+                                    <p:cond delay="0"/>
+                                  </p:stCondLst>
+                                  <p:childTnLst>
+                                    <p:set>
+                                      <p:cBhvr>
+                                        <p:cTn id="10" dur="1" fill="hold">
+                                          <p:stCondLst>
+                                            <p:cond delay="0"/>
+                                          </p:stCondLst>
+                                        </p:cTn>
+                                        <p:tgtEl>
+                                          <p:spTgt spid="123"/>
+                                        </p:tgtEl>
+                                        <p:attrNameLst>
+                                          <p:attrName>style.visibility</p:attrName>
+                                        </p:attrNameLst>
+                                      </p:cBhvr>
+                                      <p:to>
+                                        <p:strVal val="visible"/>
+                                      </p:to>
+                                    </p:set>
+                                  </p:childTnLst>
+                                </p:cTn>
+                              </p:par>
+                              <p:par>
+                                <p:cTn id="11" presetID="1" presetClass="entr" presetSubtype="0" fill="hold" grpId="0" nodeType="withEffect">
+                                  <p:stCondLst>
+                                    <p:cond delay="0"/>
+                                  </p:stCondLst>
+                                  <p:childTnLst>
+                                    <p:set>
+                                      <p:cBhvr>
+                                        <p:cTn id="12" dur="1" fill="hold">
+                                          <p:stCondLst>
+                                            <p:cond delay="0"/>
+                                          </p:stCondLst>
+                                        </p:cTn>
+                                        <p:tgtEl>
+                                          <p:spTgt spid="124"/>
                                         </p:tgtEl>
                                         <p:attrNameLst>
                                           <p:attrName>style.visibility</p:attrName>
@@ -10687,8 +11148,10 @@
       </p:par>
     </p:tnLst>
     <p:bldLst>
-      <p:bldP spid="48" grpId="0" animBg="1"/>
-      <p:bldP spid="49" grpId="0" animBg="1"/>
+      <p:bldP spid="95" grpId="0" animBg="1"/>
+      <p:bldP spid="96" grpId="0" animBg="1"/>
+      <p:bldP spid="123" grpId="0"/>
+      <p:bldP spid="124" grpId="0"/>
     </p:bldLst>
   </p:timing>
 </p:sld>
@@ -10762,11 +11225,7 @@
             </a:br>
             <a:r>
               <a:rPr kumimoji="1" lang="ja-JP" altLang="en-US" dirty="0" smtClean="0"/>
-              <a:t>性能を比較</a:t>
-            </a:r>
-            <a:r>
-              <a:rPr kumimoji="1" lang="ja-JP" altLang="en-US" dirty="0" smtClean="0"/>
-              <a:t>する．</a:t>
+              <a:t>性能を比較する．</a:t>
             </a:r>
             <a:endParaRPr kumimoji="1" lang="ja-JP" altLang="en-US" dirty="0"/>
           </a:p>
@@ -10965,7 +11424,7 @@
         <p:spPr>
           <a:xfrm>
             <a:off x="228600" y="4822834"/>
-            <a:ext cx="8511427" cy="954107"/>
+            <a:ext cx="8915400" cy="954107"/>
           </a:xfrm>
           <a:prstGeom prst="rect">
             <a:avLst/>
@@ -11003,7 +11462,7 @@
             </a:r>
             <a:r>
               <a:rPr kumimoji="1" lang="ja-JP" altLang="en-US" sz="2800" dirty="0" smtClean="0"/>
-              <a:t>：別タスクの個体の情報を部分的に利用</a:t>
+              <a:t>：他タスクの個体を自タスクで評価せず活用</a:t>
             </a:r>
             <a:endParaRPr kumimoji="1" lang="en-US" altLang="ja-JP" sz="2800" dirty="0" smtClean="0"/>
           </a:p>
@@ -11022,7 +11481,19 @@
             </a:r>
             <a:r>
               <a:rPr lang="ja-JP" altLang="en-US" sz="2800" dirty="0" smtClean="0"/>
-              <a:t>：別タスクの個体の情報をそのまま利用</a:t>
+              <a:t>：他タスク</a:t>
+            </a:r>
+            <a:r>
+              <a:rPr lang="ja-JP" altLang="en-US" sz="2800" dirty="0" smtClean="0"/>
+              <a:t>の</a:t>
+            </a:r>
+            <a:r>
+              <a:rPr lang="ja-JP" altLang="en-US" sz="2800" dirty="0" smtClean="0"/>
+              <a:t>個体</a:t>
+            </a:r>
+            <a:r>
+              <a:rPr lang="ja-JP" altLang="en-US" sz="2800" dirty="0" smtClean="0"/>
+              <a:t>を自タスクで評価してから活用</a:t>
             </a:r>
             <a:endParaRPr kumimoji="1" lang="ja-JP" altLang="en-US" sz="2800" dirty="0" smtClean="0"/>
           </a:p>
@@ -11116,11 +11587,7 @@
             </a:br>
             <a:r>
               <a:rPr kumimoji="1" lang="ja-JP" altLang="en-US" dirty="0" smtClean="0"/>
-              <a:t>性能を比較</a:t>
-            </a:r>
-            <a:r>
-              <a:rPr kumimoji="1" lang="ja-JP" altLang="en-US" dirty="0" smtClean="0"/>
-              <a:t>する．</a:t>
+              <a:t>性能を比較する．</a:t>
             </a:r>
             <a:endParaRPr kumimoji="1" lang="ja-JP" altLang="en-US" dirty="0"/>
           </a:p>
@@ -11291,11 +11758,6 @@
                 </a:rPr>
                 <a:t>MO-MFEA</a:t>
               </a:r>
-              <a:endParaRPr lang="en-US" altLang="ja-JP" sz="2800" b="1" dirty="0" smtClean="0">
-                <a:solidFill>
-                  <a:schemeClr val="accent2"/>
-                </a:solidFill>
-              </a:endParaRPr>
             </a:p>
             <a:p>
               <a:pPr algn="r"/>
@@ -11334,15 +11796,7 @@
                     <a:schemeClr val="accent2"/>
                   </a:solidFill>
                 </a:rPr>
-                <a:t>島</a:t>
-              </a:r>
-              <a:r>
-                <a:rPr lang="ja-JP" altLang="en-US" sz="2800" b="1" dirty="0" smtClean="0">
-                  <a:solidFill>
-                    <a:schemeClr val="accent2"/>
-                  </a:solidFill>
-                </a:rPr>
-                <a:t>モデル</a:t>
+                <a:t>島モデル</a:t>
               </a:r>
               <a:endParaRPr lang="en-US" altLang="ja-JP" sz="2800" b="1" dirty="0" smtClean="0">
                 <a:solidFill>
@@ -11503,32 +11957,47 @@
             <a:endParaRPr lang="en-US" altLang="ja-JP" dirty="0" smtClean="0"/>
           </a:p>
           <a:p>
-            <a:endParaRPr lang="en-US" altLang="ja-JP" dirty="0"/>
-          </a:p>
-          <a:p>
+            <a:r>
+              <a:rPr lang="en-US" altLang="ja-JP" dirty="0" smtClean="0"/>
+              <a:t/>
+            </a:r>
+            <a:br>
+              <a:rPr lang="en-US" altLang="ja-JP" dirty="0" smtClean="0"/>
+            </a:br>
             <a:r>
               <a:rPr lang="en-US" altLang="ja-JP" dirty="0"/>
               <a:t/>
             </a:r>
             <a:br>
               <a:rPr lang="en-US" altLang="ja-JP" dirty="0"/>
+            </a:br>
+            <a:r>
+              <a:rPr lang="en-US" altLang="ja-JP" dirty="0" smtClean="0"/>
+              <a:t/>
+            </a:r>
+            <a:br>
+              <a:rPr lang="en-US" altLang="ja-JP" dirty="0" smtClean="0"/>
             </a:br>
             <a:endParaRPr lang="en-US" altLang="ja-JP" dirty="0"/>
           </a:p>
           <a:p>
+            <a:r>
+              <a:rPr lang="en-US" altLang="ja-JP" dirty="0" smtClean="0"/>
+              <a:t/>
+            </a:r>
+            <a:br>
+              <a:rPr lang="en-US" altLang="ja-JP" dirty="0" smtClean="0"/>
+            </a:br>
+            <a:r>
+              <a:rPr lang="en-US" altLang="ja-JP" dirty="0"/>
+              <a:t/>
+            </a:r>
+            <a:br>
+              <a:rPr lang="en-US" altLang="ja-JP" dirty="0"/>
+            </a:br>
             <a:endParaRPr lang="en-US" altLang="ja-JP" dirty="0" smtClean="0"/>
           </a:p>
           <a:p>
-            <a:endParaRPr lang="en-US" altLang="ja-JP" dirty="0"/>
-          </a:p>
-          <a:p>
-            <a:r>
-              <a:rPr lang="en-US" altLang="ja-JP" dirty="0"/>
-              <a:t/>
-            </a:r>
-            <a:br>
-              <a:rPr lang="en-US" altLang="ja-JP" dirty="0"/>
-            </a:br>
             <a:r>
               <a:rPr lang="ja-JP" altLang="en-US" dirty="0" smtClean="0"/>
               <a:t>アルゴリズム</a:t>
@@ -11621,9 +12090,9 @@
         <p:grpSpPr>
           <a:xfrm>
             <a:off x="228600" y="2073074"/>
-            <a:ext cx="8915399" cy="3108543"/>
+            <a:ext cx="8915399" cy="3970318"/>
             <a:chOff x="228600" y="1536970"/>
-            <a:chExt cx="8915399" cy="3151175"/>
+            <a:chExt cx="8915399" cy="4024768"/>
           </a:xfrm>
         </p:grpSpPr>
         <p:sp>
@@ -11635,7 +12104,7 @@
           <p:spPr>
             <a:xfrm>
               <a:off x="228600" y="1536970"/>
-              <a:ext cx="2558375" cy="3151175"/>
+              <a:ext cx="2558375" cy="4024768"/>
             </a:xfrm>
             <a:prstGeom prst="rect">
               <a:avLst/>
@@ -11749,6 +12218,54 @@
             <a:p>
               <a:pPr algn="r"/>
               <a:r>
+                <a:rPr lang="ja-JP" altLang="en-US" sz="2800" b="1" dirty="0" smtClean="0">
+                  <a:solidFill>
+                    <a:schemeClr val="accent2"/>
+                  </a:solidFill>
+                </a:rPr>
+                <a:t>評価回数：</a:t>
+              </a:r>
+              <a:endParaRPr lang="en-US" altLang="ja-JP" sz="2800" b="1" dirty="0" smtClean="0">
+                <a:solidFill>
+                  <a:schemeClr val="accent2"/>
+                </a:solidFill>
+              </a:endParaRPr>
+            </a:p>
+            <a:p>
+              <a:pPr algn="r"/>
+              <a:r>
+                <a:rPr lang="ja-JP" altLang="en-US" sz="2800" b="1" dirty="0" smtClean="0">
+                  <a:solidFill>
+                    <a:schemeClr val="accent2"/>
+                  </a:solidFill>
+                </a:rPr>
+                <a:t>試行</a:t>
+              </a:r>
+              <a:r>
+                <a:rPr lang="ja-JP" altLang="en-US" sz="2800" b="1" dirty="0" smtClean="0">
+                  <a:solidFill>
+                    <a:schemeClr val="accent2"/>
+                  </a:solidFill>
+                </a:rPr>
+                <a:t>回数</a:t>
+              </a:r>
+              <a:r>
+                <a:rPr lang="ja-JP" altLang="en-US" sz="2800" b="1" dirty="0" smtClean="0">
+                  <a:solidFill>
+                    <a:schemeClr val="accent2"/>
+                  </a:solidFill>
+                </a:rPr>
+                <a:t>：</a:t>
+              </a:r>
+              <a:endParaRPr lang="en-US" altLang="ja-JP" sz="2800" b="1" dirty="0" smtClean="0">
+                <a:solidFill>
+                  <a:schemeClr val="accent2"/>
+                </a:solidFill>
+              </a:endParaRPr>
+            </a:p>
+            <a:p>
+              <a:pPr algn="r"/>
+              <a:r>
                 <a:rPr lang="en-US" altLang="ja-JP" sz="2800" b="1" i="1" dirty="0">
                   <a:solidFill>
                     <a:schemeClr val="accent2"/>
@@ -11783,14 +12300,14 @@
                 <a:t>b</a:t>
               </a:r>
               <a:r>
-                <a:rPr lang="ja-JP" altLang="en-US" sz="2800" b="1" dirty="0" smtClean="0">
+                <a:rPr lang="ja-JP" altLang="en-US" sz="2800" b="1" dirty="0">
                   <a:solidFill>
                     <a:schemeClr val="accent2"/>
                   </a:solidFill>
                 </a:rPr>
                 <a:t>：</a:t>
               </a:r>
-              <a:endParaRPr lang="en-US" altLang="ja-JP" sz="2800" b="1" dirty="0" smtClean="0">
+              <a:endParaRPr lang="en-US" altLang="ja-JP" sz="2800" b="1" dirty="0">
                 <a:solidFill>
                   <a:schemeClr val="accent2"/>
                 </a:solidFill>
@@ -11798,14 +12315,6 @@
             </a:p>
             <a:p>
               <a:pPr algn="r"/>
-              <a:r>
-                <a:rPr lang="ja-JP" altLang="en-US" sz="2800" b="1" dirty="0" smtClean="0">
-                  <a:solidFill>
-                    <a:schemeClr val="accent2"/>
-                  </a:solidFill>
-                </a:rPr>
-                <a:t>試行回数：</a:t>
-              </a:r>
               <a:endParaRPr lang="en-US" altLang="ja-JP" sz="2800" b="1" dirty="0">
                 <a:solidFill>
                   <a:schemeClr val="accent2"/>
@@ -11823,7 +12332,7 @@
           <p:spPr>
             <a:xfrm>
               <a:off x="2611872" y="1536970"/>
-              <a:ext cx="6532127" cy="3151175"/>
+              <a:ext cx="6532127" cy="3587971"/>
             </a:xfrm>
             <a:prstGeom prst="rect">
               <a:avLst/>
@@ -11909,32 +12418,51 @@
             </a:p>
             <a:p>
               <a:r>
-                <a:rPr kumimoji="1" lang="en-US" altLang="ja-JP" sz="2800" dirty="0" smtClean="0"/>
-                <a:t>1.1</a:t>
+                <a:rPr lang="en-US" altLang="ja-JP" sz="2800" dirty="0" smtClean="0"/>
+                <a:t>100</a:t>
+              </a:r>
+              <a:r>
+                <a:rPr lang="en-US" altLang="ja-JP" sz="2800" dirty="0"/>
+                <a:t>,</a:t>
+              </a:r>
+              <a:r>
+                <a:rPr lang="en-US" altLang="ja-JP" sz="2800" dirty="0" smtClean="0"/>
+                <a:t>000</a:t>
               </a:r>
               <a:r>
                 <a:rPr kumimoji="1" lang="ja-JP" altLang="en-US" sz="2800" dirty="0" smtClean="0"/>
-                <a:t>倍</a:t>
+                <a:t>回</a:t>
               </a:r>
               <a:endParaRPr kumimoji="1" lang="en-US" altLang="ja-JP" sz="2800" dirty="0" smtClean="0"/>
             </a:p>
             <a:p>
               <a:r>
                 <a:rPr lang="en-US" altLang="ja-JP" sz="2800" dirty="0" smtClean="0"/>
-                <a:t>10 %</a:t>
+                <a:t>31</a:t>
+              </a:r>
+              <a:r>
+                <a:rPr lang="ja-JP" altLang="en-US" sz="2800" dirty="0" smtClean="0"/>
+                <a:t>回</a:t>
+              </a:r>
+              <a:endParaRPr kumimoji="1" lang="en-US" altLang="ja-JP" sz="2800" dirty="0" smtClean="0"/>
+            </a:p>
+            <a:p>
+              <a:r>
+                <a:rPr lang="en-US" altLang="ja-JP" sz="2800" dirty="0" smtClean="0"/>
+                <a:t>1.1</a:t>
+              </a:r>
+              <a:r>
+                <a:rPr lang="ja-JP" altLang="en-US" sz="2800" dirty="0" smtClean="0"/>
+                <a:t>倍</a:t>
               </a:r>
               <a:endParaRPr lang="en-US" altLang="ja-JP" sz="2800" dirty="0" smtClean="0"/>
             </a:p>
             <a:p>
               <a:r>
-                <a:rPr kumimoji="1" lang="en-US" altLang="ja-JP" sz="2800" dirty="0" smtClean="0"/>
-                <a:t>31</a:t>
+                <a:rPr lang="en-US" altLang="ja-JP" sz="2800" dirty="0" smtClean="0"/>
+                <a:t>10 %</a:t>
               </a:r>
-              <a:r>
-                <a:rPr kumimoji="1" lang="ja-JP" altLang="en-US" sz="2800" dirty="0" smtClean="0"/>
-                <a:t>回</a:t>
-              </a:r>
-              <a:endParaRPr kumimoji="1" lang="ja-JP" altLang="en-US" sz="2800" dirty="0" smtClean="0"/>
+              <a:endParaRPr lang="en-US" altLang="ja-JP" sz="2800" dirty="0"/>
             </a:p>
           </p:txBody>
         </p:sp>
@@ -12436,7 +12964,6 @@
                     <a:rPr kumimoji="1" lang="ja-JP" altLang="en-US" sz="2150" dirty="0" smtClean="0"/>
                     <a:t>島モデル</a:t>
                   </a:r>
-                  <a:endParaRPr kumimoji="1" lang="ja-JP" altLang="en-US" sz="2150" dirty="0" smtClean="0"/>
                 </a:p>
               </p:txBody>
             </p:sp>
@@ -12514,7 +13041,6 @@
                 <a:rPr kumimoji="1" lang="ja-JP" altLang="en-US" sz="2400" dirty="0" smtClean="0"/>
                 <a:t>値</a:t>
               </a:r>
-              <a:endParaRPr kumimoji="1" lang="ja-JP" altLang="en-US" sz="2400" dirty="0" smtClean="0"/>
             </a:p>
           </p:txBody>
         </p:sp>
@@ -12800,7 +13326,6 @@
                     <a:rPr kumimoji="1" lang="ja-JP" altLang="en-US" sz="2150" dirty="0" smtClean="0"/>
                     <a:t>島モデル</a:t>
                   </a:r>
-                  <a:endParaRPr kumimoji="1" lang="ja-JP" altLang="en-US" sz="2150" dirty="0" smtClean="0"/>
                 </a:p>
               </p:txBody>
             </p:sp>
@@ -12922,7 +13447,11 @@
           <a:p>
             <a:r>
               <a:rPr kumimoji="1" lang="ja-JP" altLang="en-US" dirty="0" smtClean="0"/>
-              <a:t>両方のタスクで，</a:t>
+              <a:t>両方の</a:t>
+            </a:r>
+            <a:r>
+              <a:rPr kumimoji="1" lang="ja-JP" altLang="en-US" dirty="0" smtClean="0"/>
+              <a:t>タスクで，</a:t>
             </a:r>
             <a:r>
               <a:rPr lang="ja-JP" altLang="en-US" b="1" dirty="0" smtClean="0">
@@ -13310,7 +13839,6 @@
                     <a:rPr kumimoji="1" lang="ja-JP" altLang="en-US" sz="2150" dirty="0" smtClean="0"/>
                     <a:t>島モデル</a:t>
                   </a:r>
-                  <a:endParaRPr kumimoji="1" lang="ja-JP" altLang="en-US" sz="2150" dirty="0" smtClean="0"/>
                 </a:p>
               </p:txBody>
             </p:sp>
@@ -13388,7 +13916,6 @@
                 <a:rPr kumimoji="1" lang="ja-JP" altLang="en-US" sz="2400" dirty="0" smtClean="0"/>
                 <a:t>値</a:t>
               </a:r>
-              <a:endParaRPr kumimoji="1" lang="ja-JP" altLang="en-US" sz="2400" dirty="0" smtClean="0"/>
             </a:p>
           </p:txBody>
         </p:sp>
@@ -13674,7 +14201,6 @@
                     <a:rPr kumimoji="1" lang="ja-JP" altLang="en-US" sz="2150" dirty="0" smtClean="0"/>
                     <a:t>島モデル</a:t>
                   </a:r>
-                  <a:endParaRPr kumimoji="1" lang="ja-JP" altLang="en-US" sz="2150" dirty="0" smtClean="0"/>
                 </a:p>
               </p:txBody>
             </p:sp>
@@ -17054,7 +17580,6 @@
               <a:rPr kumimoji="1" lang="ja-JP" altLang="en-US" sz="2200" dirty="0" smtClean="0"/>
               <a:t>値</a:t>
             </a:r>
-            <a:endParaRPr kumimoji="1" lang="ja-JP" altLang="en-US" sz="2200" dirty="0" smtClean="0"/>
           </a:p>
         </p:txBody>
       </p:sp>
@@ -17340,7 +17865,6 @@
                   <a:rPr kumimoji="1" lang="ja-JP" altLang="en-US" sz="1900" dirty="0" smtClean="0"/>
                   <a:t>島モデル</a:t>
                 </a:r>
-                <a:endParaRPr kumimoji="1" lang="ja-JP" altLang="en-US" sz="1900" dirty="0" smtClean="0"/>
               </a:p>
             </p:txBody>
           </p:sp>
@@ -17693,7 +18217,6 @@
                   <a:rPr kumimoji="1" lang="ja-JP" altLang="en-US" sz="1900" dirty="0" smtClean="0"/>
                   <a:t>島モデル</a:t>
                 </a:r>
-                <a:endParaRPr kumimoji="1" lang="ja-JP" altLang="en-US" sz="1900" dirty="0" smtClean="0"/>
               </a:p>
             </p:txBody>
           </p:sp>
@@ -27849,11 +28372,7 @@
           <a:p>
             <a:r>
               <a:rPr kumimoji="1" lang="ja-JP" altLang="en-US" dirty="0" smtClean="0"/>
-              <a:t>マルチタスク手法の性能</a:t>
-            </a:r>
-            <a:r>
-              <a:rPr kumimoji="1" lang="ja-JP" altLang="en-US" dirty="0" smtClean="0"/>
-              <a:t>は，</a:t>
+              <a:t>マルチタスク手法の性能は，</a:t>
             </a:r>
             <a:r>
               <a:rPr lang="ja-JP" altLang="en-US" dirty="0"/>
@@ -27884,11 +28403,7 @@
             </a:r>
             <a:r>
               <a:rPr kumimoji="1" lang="en-US" altLang="ja-JP" sz="2400" dirty="0" smtClean="0"/>
-              <a:t>[Yuan et al., 2017</a:t>
-            </a:r>
-            <a:r>
-              <a:rPr kumimoji="1" lang="en-US" altLang="ja-JP" sz="2400" dirty="0" smtClean="0"/>
-              <a:t>]</a:t>
+              <a:t>[Yuan et al., 2017]</a:t>
             </a:r>
             <a:r>
               <a:rPr kumimoji="1" lang="ja-JP" altLang="en-US" dirty="0" smtClean="0"/>
@@ -27915,23 +28430,11 @@
             </a:r>
             <a:r>
               <a:rPr kumimoji="1" lang="ja-JP" altLang="en-US" dirty="0" smtClean="0"/>
-              <a:t>が複雑な高次方程式である</a:t>
-            </a:r>
-            <a:r>
-              <a:rPr kumimoji="1" lang="ja-JP" altLang="en-US" dirty="0" smtClean="0"/>
-              <a:t>．</a:t>
+              <a:t>が複雑な高次方程式である．</a:t>
             </a:r>
             <a:r>
               <a:rPr lang="ja-JP" altLang="en-US" dirty="0" smtClean="0"/>
-              <a:t>そのため，</a:t>
-            </a:r>
-            <a:r>
-              <a:rPr lang="ja-JP" altLang="en-US" dirty="0" smtClean="0"/>
-              <a:t>タスク間</a:t>
-            </a:r>
-            <a:r>
-              <a:rPr lang="ja-JP" altLang="en-US" dirty="0" smtClean="0"/>
-              <a:t>の</a:t>
+              <a:t>そのため，タスク間の</a:t>
             </a:r>
             <a:r>
               <a:rPr lang="ja-JP" altLang="en-US" b="1" u="sng" dirty="0" smtClean="0">
@@ -28195,11 +28698,7 @@
             </a:r>
             <a:r>
               <a:rPr kumimoji="1" lang="ja-JP" altLang="en-US" dirty="0" smtClean="0"/>
-              <a:t>つ</a:t>
-            </a:r>
-            <a:r>
-              <a:rPr kumimoji="1" lang="ja-JP" altLang="en-US" dirty="0" smtClean="0"/>
-              <a:t>組み合わせた問題を提案する．</a:t>
+              <a:t>つ組み合わせた問題を提案する．</a:t>
             </a:r>
             <a:endParaRPr kumimoji="1" lang="en-US" altLang="ja-JP" dirty="0" smtClean="0"/>
           </a:p>
@@ -28210,11 +28709,7 @@
             </a:r>
             <a:r>
               <a:rPr kumimoji="1" lang="ja-JP" altLang="en-US" dirty="0" smtClean="0"/>
-              <a:t>つ目のタスク</a:t>
-            </a:r>
-            <a:r>
-              <a:rPr kumimoji="1" lang="ja-JP" altLang="en-US" dirty="0" smtClean="0"/>
-              <a:t>は，</a:t>
+              <a:t>つ目のタスクは，</a:t>
             </a:r>
             <a:r>
               <a:rPr kumimoji="1" lang="en-US" altLang="ja-JP" dirty="0" smtClean="0"/>
@@ -28765,27 +29260,7 @@
             <a:pPr algn="r"/>
             <a:r>
               <a:rPr lang="ja-JP" altLang="en-US" sz="2800" dirty="0" smtClean="0"/>
-              <a:t>ナップサック問題</a:t>
-            </a:r>
-            <a:r>
-              <a:rPr lang="ja-JP" altLang="en-US" sz="2800" dirty="0" smtClean="0"/>
-              <a:t>： ナップサック内</a:t>
-            </a:r>
-            <a:r>
-              <a:rPr lang="ja-JP" altLang="en-US" sz="2800" dirty="0" smtClean="0"/>
-              <a:t>にアイテムを詰め込み</a:t>
-            </a:r>
-            <a:r>
-              <a:rPr lang="ja-JP" altLang="en-US" sz="2800" dirty="0" smtClean="0"/>
-              <a:t>，アイテム</a:t>
-            </a:r>
-            <a:r>
-              <a:rPr lang="ja-JP" altLang="en-US" sz="2800" dirty="0" smtClean="0"/>
-              <a:t>の価値の総和を最大化する</a:t>
-            </a:r>
-            <a:r>
-              <a:rPr lang="ja-JP" altLang="en-US" sz="2800" dirty="0" smtClean="0"/>
-              <a:t>．</a:t>
+              <a:t>ナップサック問題： ナップサック内にアイテムを詰め込み，アイテムの価値の総和を最大化する．</a:t>
             </a:r>
             <a:endParaRPr kumimoji="1" lang="ja-JP" altLang="en-US" sz="2800" dirty="0"/>
           </a:p>
